--- a/2020/ECP/slides/00-agenda.pptx
+++ b/2020/ECP/slides/00-agenda.pptx
@@ -5,29 +5,13 @@
     <p:sldMasterId id="2147483935" r:id="rId4"/>
   </p:sldMasterIdLst>
   <p:notesMasterIdLst>
-    <p:notesMasterId r:id="rId22"/>
+    <p:notesMasterId r:id="rId6"/>
   </p:notesMasterIdLst>
   <p:handoutMasterIdLst>
-    <p:handoutMasterId r:id="rId23"/>
+    <p:handoutMasterId r:id="rId7"/>
   </p:handoutMasterIdLst>
   <p:sldIdLst>
     <p:sldId id="385" r:id="rId5"/>
-    <p:sldId id="404" r:id="rId6"/>
-    <p:sldId id="405" r:id="rId7"/>
-    <p:sldId id="406" r:id="rId8"/>
-    <p:sldId id="418" r:id="rId9"/>
-    <p:sldId id="419" r:id="rId10"/>
-    <p:sldId id="407" r:id="rId11"/>
-    <p:sldId id="408" r:id="rId12"/>
-    <p:sldId id="409" r:id="rId13"/>
-    <p:sldId id="410" r:id="rId14"/>
-    <p:sldId id="411" r:id="rId15"/>
-    <p:sldId id="412" r:id="rId16"/>
-    <p:sldId id="413" r:id="rId17"/>
-    <p:sldId id="414" r:id="rId18"/>
-    <p:sldId id="415" r:id="rId19"/>
-    <p:sldId id="416" r:id="rId20"/>
-    <p:sldId id="393" r:id="rId21"/>
   </p:sldIdLst>
   <p:sldSz cx="12188825" cy="6858000"/>
   <p:notesSz cx="7010400" cy="9296400"/>
@@ -3905,4334 +3889,6 @@
       </p:par>
     </p:tnLst>
   </p:timing>
-</p:sld>
-</file>
-
-<file path=ppt/slides/slide10.xml><?xml version="1.0" encoding="utf-8"?>
-<p:sld xmlns:a="http://schemas.openxmlformats.org/drawingml/2006/main" xmlns:r="http://schemas.openxmlformats.org/officeDocument/2006/relationships" xmlns:p="http://schemas.openxmlformats.org/presentationml/2006/main">
-  <p:cSld>
-    <p:spTree>
-      <p:nvGrpSpPr>
-        <p:cNvPr id="1" name=""/>
-        <p:cNvGrpSpPr/>
-        <p:nvPr/>
-      </p:nvGrpSpPr>
-      <p:grpSpPr>
-        <a:xfrm>
-          <a:off x="0" y="0"/>
-          <a:ext cx="0" cy="0"/>
-          <a:chOff x="0" y="0"/>
-          <a:chExt cx="0" cy="0"/>
-        </a:xfrm>
-      </p:grpSpPr>
-      <p:sp>
-        <p:nvSpPr>
-          <p:cNvPr id="2" name="Title 1">
-            <a:extLst>
-              <a:ext uri="{FF2B5EF4-FFF2-40B4-BE49-F238E27FC236}">
-                <a16:creationId xmlns:a16="http://schemas.microsoft.com/office/drawing/2014/main" xmlns="" id="{52A58DFA-CE74-5540-980F-6E7FC78E3B9E}"/>
-              </a:ext>
-            </a:extLst>
-          </p:cNvPr>
-          <p:cNvSpPr>
-            <a:spLocks noGrp="1"/>
-          </p:cNvSpPr>
-          <p:nvPr>
-            <p:ph type="title"/>
-          </p:nvPr>
-        </p:nvSpPr>
-        <p:spPr/>
-        <p:txBody>
-          <a:bodyPr/>
-          <a:lstStyle/>
-          <a:p>
-            <a:r>
-              <a:rPr lang="en-US" dirty="0"/>
-              <a:t>Example Benchmark Workflow</a:t>
-            </a:r>
-          </a:p>
-        </p:txBody>
-      </p:sp>
-      <p:sp>
-        <p:nvSpPr>
-          <p:cNvPr id="3" name="Content Placeholder 2">
-            <a:extLst>
-              <a:ext uri="{FF2B5EF4-FFF2-40B4-BE49-F238E27FC236}">
-                <a16:creationId xmlns:a16="http://schemas.microsoft.com/office/drawing/2014/main" xmlns="" id="{B855B05B-C6D2-0C48-9A00-05005A6B3629}"/>
-              </a:ext>
-            </a:extLst>
-          </p:cNvPr>
-          <p:cNvSpPr>
-            <a:spLocks noGrp="1"/>
-          </p:cNvSpPr>
-          <p:nvPr>
-            <p:ph idx="1"/>
-          </p:nvPr>
-        </p:nvSpPr>
-        <p:spPr/>
-        <p:txBody>
-          <a:bodyPr/>
-          <a:lstStyle/>
-          <a:p>
-            <a:r>
-              <a:rPr lang="en-US" dirty="0">
-                <a:latin typeface="Consolas" panose="020B0609020204030204" pitchFamily="49" charset="0"/>
-                <a:cs typeface="Consolas" panose="020B0609020204030204" pitchFamily="49" charset="0"/>
-              </a:rPr>
-              <a:t>Data management</a:t>
-            </a:r>
-          </a:p>
-          <a:p>
-            <a:pPr lvl="1"/>
-            <a:r>
-              <a:rPr lang="en-US" dirty="0" err="1">
-                <a:latin typeface="Consolas" panose="020B0609020204030204" pitchFamily="49" charset="0"/>
-                <a:cs typeface="Consolas" panose="020B0609020204030204" pitchFamily="49" charset="0"/>
-              </a:rPr>
-              <a:t>fetch_data</a:t>
-            </a:r>
-            <a:endParaRPr lang="en-US" dirty="0">
-              <a:latin typeface="Consolas" panose="020B0609020204030204" pitchFamily="49" charset="0"/>
-              <a:cs typeface="Consolas" panose="020B0609020204030204" pitchFamily="49" charset="0"/>
-            </a:endParaRPr>
-          </a:p>
-          <a:p>
-            <a:pPr lvl="2"/>
-            <a:r>
-              <a:rPr lang="en-US" dirty="0"/>
-              <a:t>Check if local data copy exists; if not, fetch data from </a:t>
-            </a:r>
-            <a:r>
-              <a:rPr lang="en-US" dirty="0" err="1">
-                <a:latin typeface="Consolas" panose="020B0609020204030204" pitchFamily="49" charset="0"/>
-                <a:cs typeface="Consolas" panose="020B0609020204030204" pitchFamily="49" charset="0"/>
-              </a:rPr>
-              <a:t>data_url</a:t>
-            </a:r>
-            <a:r>
-              <a:rPr lang="en-US" dirty="0">
-                <a:latin typeface="Consolas" panose="020B0609020204030204" pitchFamily="49" charset="0"/>
-                <a:cs typeface="Consolas" panose="020B0609020204030204" pitchFamily="49" charset="0"/>
-              </a:rPr>
-              <a:t> </a:t>
-            </a:r>
-          </a:p>
-          <a:p>
-            <a:pPr lvl="2"/>
-            <a:r>
-              <a:rPr lang="en-US" dirty="0"/>
-              <a:t>allows separate </a:t>
-            </a:r>
-            <a:r>
-              <a:rPr lang="en-US" dirty="0" err="1">
-                <a:latin typeface="Consolas" panose="020B0609020204030204" pitchFamily="49" charset="0"/>
-                <a:cs typeface="Consolas" panose="020B0609020204030204" pitchFamily="49" charset="0"/>
-              </a:rPr>
-              <a:t>train_data</a:t>
-            </a:r>
-            <a:r>
-              <a:rPr lang="en-US" dirty="0">
-                <a:latin typeface="Consolas" panose="020B0609020204030204" pitchFamily="49" charset="0"/>
-                <a:cs typeface="Consolas" panose="020B0609020204030204" pitchFamily="49" charset="0"/>
-              </a:rPr>
-              <a:t> </a:t>
-            </a:r>
-            <a:r>
-              <a:rPr lang="en-US" dirty="0"/>
-              <a:t>and </a:t>
-            </a:r>
-            <a:r>
-              <a:rPr lang="en-US" dirty="0" err="1">
-                <a:latin typeface="Consolas" panose="020B0609020204030204" pitchFamily="49" charset="0"/>
-                <a:cs typeface="Consolas" panose="020B0609020204030204" pitchFamily="49" charset="0"/>
-              </a:rPr>
-              <a:t>test_data</a:t>
-            </a:r>
-            <a:r>
-              <a:rPr lang="en-US" dirty="0">
-                <a:latin typeface="Consolas" panose="020B0609020204030204" pitchFamily="49" charset="0"/>
-                <a:cs typeface="Consolas" panose="020B0609020204030204" pitchFamily="49" charset="0"/>
-              </a:rPr>
-              <a:t> </a:t>
-            </a:r>
-            <a:r>
-              <a:rPr lang="en-US" dirty="0"/>
-              <a:t>files, check MD5 hash if provided, </a:t>
-            </a:r>
-            <a:r>
-              <a:rPr lang="en-US" dirty="0" err="1"/>
-              <a:t>untar</a:t>
-            </a:r>
-            <a:r>
-              <a:rPr lang="en-US" dirty="0"/>
-              <a:t> if needed</a:t>
-            </a:r>
-          </a:p>
-          <a:p>
-            <a:pPr lvl="1"/>
-            <a:r>
-              <a:rPr lang="en-US" dirty="0" err="1">
-                <a:latin typeface="Consolas" panose="020B0609020204030204" pitchFamily="49" charset="0"/>
-                <a:cs typeface="Consolas" panose="020B0609020204030204" pitchFamily="49" charset="0"/>
-              </a:rPr>
-              <a:t>load_data</a:t>
-            </a:r>
-            <a:r>
-              <a:rPr lang="en-US" dirty="0">
-                <a:latin typeface="Consolas" panose="020B0609020204030204" pitchFamily="49" charset="0"/>
-                <a:cs typeface="Consolas" panose="020B0609020204030204" pitchFamily="49" charset="0"/>
-              </a:rPr>
-              <a:t> </a:t>
-            </a:r>
-          </a:p>
-          <a:p>
-            <a:pPr lvl="2"/>
-            <a:r>
-              <a:rPr lang="en-US" dirty="0"/>
-              <a:t>Load labeled (</a:t>
-            </a:r>
-            <a:r>
-              <a:rPr lang="en-US" dirty="0" err="1"/>
-              <a:t>xy</a:t>
-            </a:r>
-            <a:r>
-              <a:rPr lang="en-US" dirty="0"/>
-              <a:t>) or unlabeled (x) data, perform various manipulations </a:t>
-            </a:r>
-          </a:p>
-          <a:p>
-            <a:pPr lvl="3"/>
-            <a:r>
-              <a:rPr lang="en-US" dirty="0"/>
-              <a:t>Shuffle, scale, split into </a:t>
-            </a:r>
-            <a:r>
-              <a:rPr lang="en-US" dirty="0">
-                <a:latin typeface="Consolas" panose="020B0609020204030204" pitchFamily="49" charset="0"/>
-                <a:cs typeface="Consolas" panose="020B0609020204030204" pitchFamily="49" charset="0"/>
-              </a:rPr>
-              <a:t>{train, validation, test}</a:t>
-            </a:r>
-          </a:p>
-          <a:p>
-            <a:pPr lvl="3"/>
-            <a:r>
-              <a:rPr lang="en-US" dirty="0"/>
-              <a:t>Takes UQ operations to provide repeatable cross-validation data splits</a:t>
-            </a:r>
-          </a:p>
-          <a:p>
-            <a:pPr lvl="2"/>
-            <a:endParaRPr lang="en-US" dirty="0"/>
-          </a:p>
-          <a:p>
-            <a:pPr marL="0" indent="-49212">
-              <a:buNone/>
-            </a:pPr>
-            <a:endParaRPr lang="en-US" dirty="0"/>
-          </a:p>
-        </p:txBody>
-      </p:sp>
-    </p:spTree>
-    <p:extLst>
-      <p:ext uri="{BB962C8B-B14F-4D97-AF65-F5344CB8AC3E}">
-        <p14:creationId xmlns:p14="http://schemas.microsoft.com/office/powerpoint/2010/main" val="962392393"/>
-      </p:ext>
-    </p:extLst>
-  </p:cSld>
-  <p:clrMapOvr>
-    <a:masterClrMapping/>
-  </p:clrMapOvr>
-</p:sld>
-</file>
-
-<file path=ppt/slides/slide11.xml><?xml version="1.0" encoding="utf-8"?>
-<p:sld xmlns:a="http://schemas.openxmlformats.org/drawingml/2006/main" xmlns:r="http://schemas.openxmlformats.org/officeDocument/2006/relationships" xmlns:p="http://schemas.openxmlformats.org/presentationml/2006/main">
-  <p:cSld>
-    <p:spTree>
-      <p:nvGrpSpPr>
-        <p:cNvPr id="1" name=""/>
-        <p:cNvGrpSpPr/>
-        <p:nvPr/>
-      </p:nvGrpSpPr>
-      <p:grpSpPr>
-        <a:xfrm>
-          <a:off x="0" y="0"/>
-          <a:ext cx="0" cy="0"/>
-          <a:chOff x="0" y="0"/>
-          <a:chExt cx="0" cy="0"/>
-        </a:xfrm>
-      </p:grpSpPr>
-      <p:sp>
-        <p:nvSpPr>
-          <p:cNvPr id="2" name="Title 1">
-            <a:extLst>
-              <a:ext uri="{FF2B5EF4-FFF2-40B4-BE49-F238E27FC236}">
-                <a16:creationId xmlns:a16="http://schemas.microsoft.com/office/drawing/2014/main" xmlns="" id="{841738B7-7454-FB42-923C-1A2197322EEE}"/>
-              </a:ext>
-            </a:extLst>
-          </p:cNvPr>
-          <p:cNvSpPr>
-            <a:spLocks noGrp="1"/>
-          </p:cNvSpPr>
-          <p:nvPr>
-            <p:ph type="title"/>
-          </p:nvPr>
-        </p:nvSpPr>
-        <p:spPr/>
-        <p:txBody>
-          <a:bodyPr/>
-          <a:lstStyle/>
-          <a:p>
-            <a:r>
-              <a:rPr lang="en-US" dirty="0"/>
-              <a:t>Example Benchmark Workflow</a:t>
-            </a:r>
-          </a:p>
-        </p:txBody>
-      </p:sp>
-      <p:sp>
-        <p:nvSpPr>
-          <p:cNvPr id="3" name="Content Placeholder 2">
-            <a:extLst>
-              <a:ext uri="{FF2B5EF4-FFF2-40B4-BE49-F238E27FC236}">
-                <a16:creationId xmlns:a16="http://schemas.microsoft.com/office/drawing/2014/main" xmlns="" id="{F935B2C4-D35D-0F4A-A4F0-442A2BA6813E}"/>
-              </a:ext>
-            </a:extLst>
-          </p:cNvPr>
-          <p:cNvSpPr>
-            <a:spLocks noGrp="1"/>
-          </p:cNvSpPr>
-          <p:nvPr>
-            <p:ph idx="1"/>
-          </p:nvPr>
-        </p:nvSpPr>
-        <p:spPr/>
-        <p:txBody>
-          <a:bodyPr/>
-          <a:lstStyle/>
-          <a:p>
-            <a:r>
-              <a:rPr lang="en-US" dirty="0"/>
-              <a:t>Model build</a:t>
-            </a:r>
-          </a:p>
-          <a:p>
-            <a:pPr lvl="1"/>
-            <a:r>
-              <a:rPr lang="en-US" sz="2000" dirty="0" err="1">
-                <a:latin typeface="Consolas" panose="020B0609020204030204" pitchFamily="49" charset="0"/>
-                <a:cs typeface="Consolas" panose="020B0609020204030204" pitchFamily="49" charset="0"/>
-              </a:rPr>
-              <a:t>keras_utils</a:t>
-            </a:r>
-            <a:r>
-              <a:rPr lang="en-US" dirty="0">
-                <a:latin typeface="Consolas" panose="020B0609020204030204" pitchFamily="49" charset="0"/>
-                <a:cs typeface="Consolas" panose="020B0609020204030204" pitchFamily="49" charset="0"/>
-              </a:rPr>
-              <a:t> </a:t>
-            </a:r>
-            <a:r>
-              <a:rPr lang="en-US" dirty="0"/>
-              <a:t>translates CANDLE keywords into Keras methods</a:t>
-            </a:r>
-          </a:p>
-          <a:p>
-            <a:pPr lvl="2"/>
-            <a:r>
-              <a:rPr lang="en-US" dirty="0"/>
-              <a:t>e.g. optimizer, initializer specification</a:t>
-            </a:r>
-          </a:p>
-          <a:p>
-            <a:pPr lvl="1"/>
-            <a:r>
-              <a:rPr lang="en-US" dirty="0"/>
-              <a:t>Extends Keras functionality where useful</a:t>
-            </a:r>
-          </a:p>
-          <a:p>
-            <a:pPr lvl="2"/>
-            <a:r>
-              <a:rPr lang="en-US" dirty="0" err="1">
-                <a:latin typeface="Consolas" panose="020B0609020204030204" pitchFamily="49" charset="0"/>
-                <a:cs typeface="Consolas" panose="020B0609020204030204" pitchFamily="49" charset="0"/>
-              </a:rPr>
-              <a:t>PermanentDropout</a:t>
-            </a:r>
-            <a:endParaRPr lang="en-US" dirty="0">
-              <a:latin typeface="Consolas" panose="020B0609020204030204" pitchFamily="49" charset="0"/>
-              <a:cs typeface="Consolas" panose="020B0609020204030204" pitchFamily="49" charset="0"/>
-            </a:endParaRPr>
-          </a:p>
-          <a:p>
-            <a:pPr lvl="1"/>
-            <a:r>
-              <a:rPr lang="en-US" sz="2000" dirty="0" err="1">
-                <a:latin typeface="Consolas" panose="020B0609020204030204" pitchFamily="49" charset="0"/>
-                <a:cs typeface="Consolas" panose="020B0609020204030204" pitchFamily="49" charset="0"/>
-              </a:rPr>
-              <a:t>default_utils</a:t>
-            </a:r>
-            <a:r>
-              <a:rPr lang="en-US" sz="2000" dirty="0">
-                <a:latin typeface="Consolas" panose="020B0609020204030204" pitchFamily="49" charset="0"/>
-                <a:cs typeface="Consolas" panose="020B0609020204030204" pitchFamily="49" charset="0"/>
-              </a:rPr>
-              <a:t> </a:t>
-            </a:r>
-            <a:r>
-              <a:rPr lang="en-US" dirty="0">
-                <a:latin typeface="+mn-lt"/>
-              </a:rPr>
-              <a:t>adds default </a:t>
-            </a:r>
-            <a:r>
-              <a:rPr lang="en-US" sz="2000" dirty="0">
-                <a:latin typeface="Consolas" panose="020B0609020204030204" pitchFamily="49" charset="0"/>
-                <a:cs typeface="Consolas" panose="020B0609020204030204" pitchFamily="49" charset="0"/>
-              </a:rPr>
-              <a:t>EXP000</a:t>
-            </a:r>
-            <a:r>
-              <a:rPr lang="en-US" dirty="0">
-                <a:latin typeface="+mn-lt"/>
-              </a:rPr>
-              <a:t> and </a:t>
-            </a:r>
-            <a:r>
-              <a:rPr lang="en-US" sz="2000" dirty="0">
-                <a:latin typeface="Consolas" panose="020B0609020204030204" pitchFamily="49" charset="0"/>
-                <a:cs typeface="Consolas" panose="020B0609020204030204" pitchFamily="49" charset="0"/>
-              </a:rPr>
-              <a:t>RUN000</a:t>
-            </a:r>
-            <a:r>
-              <a:rPr lang="en-US" dirty="0">
-                <a:latin typeface="+mn-lt"/>
-              </a:rPr>
-              <a:t> directory structure </a:t>
-            </a:r>
-          </a:p>
-          <a:p>
-            <a:pPr lvl="1"/>
-            <a:r>
-              <a:rPr lang="en-US" sz="2000" dirty="0" err="1">
-                <a:latin typeface="Consolas" panose="020B0609020204030204" pitchFamily="49" charset="0"/>
-                <a:cs typeface="Consolas" panose="020B0609020204030204" pitchFamily="49" charset="0"/>
-              </a:rPr>
-              <a:t>solr_keras</a:t>
-            </a:r>
-            <a:r>
-              <a:rPr lang="en-US" sz="2000" dirty="0">
-                <a:latin typeface="Consolas" panose="020B0609020204030204" pitchFamily="49" charset="0"/>
-                <a:cs typeface="Consolas" panose="020B0609020204030204" pitchFamily="49" charset="0"/>
-              </a:rPr>
-              <a:t> </a:t>
-            </a:r>
-            <a:r>
-              <a:rPr lang="en-US" dirty="0"/>
-              <a:t>adds monitoring and logging</a:t>
-            </a:r>
-          </a:p>
-          <a:p>
-            <a:pPr lvl="2"/>
-            <a:r>
-              <a:rPr lang="en-US" dirty="0">
-                <a:latin typeface="+mn-lt"/>
-              </a:rPr>
-              <a:t>Timeout functionality to respect job limits</a:t>
-            </a:r>
-          </a:p>
-          <a:p>
-            <a:pPr marL="346075" lvl="1" indent="0">
-              <a:buNone/>
-            </a:pPr>
-            <a:endParaRPr lang="en-US" dirty="0">
-              <a:latin typeface="+mn-lt"/>
-            </a:endParaRPr>
-          </a:p>
-        </p:txBody>
-      </p:sp>
-    </p:spTree>
-    <p:extLst>
-      <p:ext uri="{BB962C8B-B14F-4D97-AF65-F5344CB8AC3E}">
-        <p14:creationId xmlns:p14="http://schemas.microsoft.com/office/powerpoint/2010/main" val="4024632629"/>
-      </p:ext>
-    </p:extLst>
-  </p:cSld>
-  <p:clrMapOvr>
-    <a:masterClrMapping/>
-  </p:clrMapOvr>
-</p:sld>
-</file>
-
-<file path=ppt/slides/slide12.xml><?xml version="1.0" encoding="utf-8"?>
-<p:sld xmlns:a="http://schemas.openxmlformats.org/drawingml/2006/main" xmlns:r="http://schemas.openxmlformats.org/officeDocument/2006/relationships" xmlns:p="http://schemas.openxmlformats.org/presentationml/2006/main">
-  <p:cSld>
-    <p:spTree>
-      <p:nvGrpSpPr>
-        <p:cNvPr id="1" name=""/>
-        <p:cNvGrpSpPr/>
-        <p:nvPr/>
-      </p:nvGrpSpPr>
-      <p:grpSpPr>
-        <a:xfrm>
-          <a:off x="0" y="0"/>
-          <a:ext cx="0" cy="0"/>
-          <a:chOff x="0" y="0"/>
-          <a:chExt cx="0" cy="0"/>
-        </a:xfrm>
-      </p:grpSpPr>
-      <p:sp>
-        <p:nvSpPr>
-          <p:cNvPr id="2" name="Title 1">
-            <a:extLst>
-              <a:ext uri="{FF2B5EF4-FFF2-40B4-BE49-F238E27FC236}">
-                <a16:creationId xmlns:a16="http://schemas.microsoft.com/office/drawing/2014/main" xmlns="" id="{61B11EB1-296B-AB44-837F-469E6805B23A}"/>
-              </a:ext>
-            </a:extLst>
-          </p:cNvPr>
-          <p:cNvSpPr>
-            <a:spLocks noGrp="1"/>
-          </p:cNvSpPr>
-          <p:nvPr>
-            <p:ph type="title"/>
-          </p:nvPr>
-        </p:nvSpPr>
-        <p:spPr/>
-        <p:txBody>
-          <a:bodyPr/>
-          <a:lstStyle/>
-          <a:p>
-            <a:r>
-              <a:rPr lang="en-US" dirty="0">
-                <a:latin typeface="+mj-lt"/>
-              </a:rPr>
-              <a:t>Example benchmark</a:t>
-            </a:r>
-          </a:p>
-        </p:txBody>
-      </p:sp>
-      <p:sp>
-        <p:nvSpPr>
-          <p:cNvPr id="3" name="Content Placeholder 2">
-            <a:extLst>
-              <a:ext uri="{FF2B5EF4-FFF2-40B4-BE49-F238E27FC236}">
-                <a16:creationId xmlns:a16="http://schemas.microsoft.com/office/drawing/2014/main" xmlns="" id="{893BE047-4FC7-7B44-B4B1-D3736C352C5F}"/>
-              </a:ext>
-            </a:extLst>
-          </p:cNvPr>
-          <p:cNvSpPr>
-            <a:spLocks noGrp="1"/>
-          </p:cNvSpPr>
-          <p:nvPr>
-            <p:ph idx="1"/>
-          </p:nvPr>
-        </p:nvSpPr>
-        <p:spPr>
-          <a:xfrm>
-            <a:off x="365760" y="1475740"/>
-            <a:ext cx="6647883" cy="4047778"/>
-          </a:xfrm>
-        </p:spPr>
-        <p:txBody>
-          <a:bodyPr/>
-          <a:lstStyle/>
-          <a:p>
-            <a:r>
-              <a:rPr lang="en-US" sz="2000" b="1" dirty="0"/>
-              <a:t>P3B1: Multi-task Deep Neural Net (DNN) for data extraction from clinical reports</a:t>
-            </a:r>
-          </a:p>
-          <a:p>
-            <a:r>
-              <a:rPr lang="en-US" sz="2000" b="1" dirty="0"/>
-              <a:t>Overview</a:t>
-            </a:r>
-            <a:r>
-              <a:rPr lang="en-US" sz="2000" dirty="0"/>
-              <a:t>: Given a corpus of patient-level clinical reports, build a deep learning network that can simultaneously identify:(</a:t>
-            </a:r>
-            <a:r>
-              <a:rPr lang="en-US" sz="2000" dirty="0" err="1"/>
-              <a:t>i</a:t>
-            </a:r>
-            <a:r>
-              <a:rPr lang="en-US" sz="2000" dirty="0"/>
-              <a:t>) b tumor sites, (ii) t tumor laterality, and (iii) g clinical grade of tumors.</a:t>
-            </a:r>
-          </a:p>
-          <a:p>
-            <a:r>
-              <a:rPr lang="en-US" sz="2000" b="1" dirty="0"/>
-              <a:t>Relationship to core problem</a:t>
-            </a:r>
-            <a:r>
-              <a:rPr lang="en-US" sz="2000" dirty="0"/>
-              <a:t>: Instead of training individual deep learning networks for individual machine learning tasks, Build a multi-task DNN that can exploit task-relatedness to simultaneously learn multiple concepts.</a:t>
-            </a:r>
-          </a:p>
-          <a:p>
-            <a:r>
-              <a:rPr lang="en-US" sz="2000" b="1" dirty="0"/>
-              <a:t>Expected outcome</a:t>
-            </a:r>
-            <a:r>
-              <a:rPr lang="en-US" sz="2000" dirty="0"/>
-              <a:t>: Multi-task DNN that trains on same corpus and can automatically classify across three related tasks.</a:t>
-            </a:r>
-          </a:p>
-          <a:p>
-            <a:pPr marL="0" indent="0">
-              <a:buNone/>
-            </a:pPr>
-            <a:endParaRPr lang="en-US" sz="2000" dirty="0"/>
-          </a:p>
-        </p:txBody>
-      </p:sp>
-      <p:pic>
-        <p:nvPicPr>
-          <p:cNvPr id="4" name="Picture 2" descr="https://raw.githubusercontent.com/ECP-CANDLE/Benchmarks/master/Pilot3/P3B1/images/MTL1.png">
-            <a:extLst>
-              <a:ext uri="{FF2B5EF4-FFF2-40B4-BE49-F238E27FC236}">
-                <a16:creationId xmlns:a16="http://schemas.microsoft.com/office/drawing/2014/main" xmlns="" id="{7915B7EE-5A9D-474D-886C-8C73B17A4074}"/>
-              </a:ext>
-            </a:extLst>
-          </p:cNvPr>
-          <p:cNvPicPr>
-            <a:picLocks noChangeAspect="1" noChangeArrowheads="1"/>
-          </p:cNvPicPr>
-          <p:nvPr/>
-        </p:nvPicPr>
-        <p:blipFill>
-          <a:blip r:embed="rId2">
-            <a:extLst>
-              <a:ext uri="{28A0092B-C50C-407E-A947-70E740481C1C}">
-                <a14:useLocalDpi xmlns:a14="http://schemas.microsoft.com/office/drawing/2010/main" val="0"/>
-              </a:ext>
-            </a:extLst>
-          </a:blip>
-          <a:srcRect/>
-          <a:stretch>
-            <a:fillRect/>
-          </a:stretch>
-        </p:blipFill>
-        <p:spPr bwMode="auto">
-          <a:xfrm>
-            <a:off x="7195160" y="1475740"/>
-            <a:ext cx="4543073" cy="4423833"/>
-          </a:xfrm>
-          <a:prstGeom prst="rect">
-            <a:avLst/>
-          </a:prstGeom>
-          <a:noFill/>
-          <a:ln w="9525">
-            <a:noFill/>
-            <a:miter lim="800000"/>
-            <a:headEnd/>
-            <a:tailEnd/>
-          </a:ln>
-          <a:extLst>
-            <a:ext uri="{909E8E84-426E-40DD-AFC4-6F175D3DCCD1}">
-              <a14:hiddenFill xmlns:a14="http://schemas.microsoft.com/office/drawing/2010/main">
-                <a:solidFill>
-                  <a:srgbClr val="FFFFFF"/>
-                </a:solidFill>
-              </a14:hiddenFill>
-            </a:ext>
-          </a:extLst>
-        </p:spPr>
-      </p:pic>
-    </p:spTree>
-    <p:extLst>
-      <p:ext uri="{BB962C8B-B14F-4D97-AF65-F5344CB8AC3E}">
-        <p14:creationId xmlns:p14="http://schemas.microsoft.com/office/powerpoint/2010/main" val="2559027354"/>
-      </p:ext>
-    </p:extLst>
-  </p:cSld>
-  <p:clrMapOvr>
-    <a:masterClrMapping/>
-  </p:clrMapOvr>
-</p:sld>
-</file>
-
-<file path=ppt/slides/slide13.xml><?xml version="1.0" encoding="utf-8"?>
-<p:sld xmlns:a="http://schemas.openxmlformats.org/drawingml/2006/main" xmlns:r="http://schemas.openxmlformats.org/officeDocument/2006/relationships" xmlns:p="http://schemas.openxmlformats.org/presentationml/2006/main">
-  <p:cSld>
-    <p:spTree>
-      <p:nvGrpSpPr>
-        <p:cNvPr id="1" name=""/>
-        <p:cNvGrpSpPr/>
-        <p:nvPr/>
-      </p:nvGrpSpPr>
-      <p:grpSpPr>
-        <a:xfrm>
-          <a:off x="0" y="0"/>
-          <a:ext cx="0" cy="0"/>
-          <a:chOff x="0" y="0"/>
-          <a:chExt cx="0" cy="0"/>
-        </a:xfrm>
-      </p:grpSpPr>
-      <p:sp>
-        <p:nvSpPr>
-          <p:cNvPr id="2" name="Title 1">
-            <a:extLst>
-              <a:ext uri="{FF2B5EF4-FFF2-40B4-BE49-F238E27FC236}">
-                <a16:creationId xmlns:a16="http://schemas.microsoft.com/office/drawing/2014/main" xmlns="" id="{5CFE7681-1444-0A4D-A862-EF09BD686F79}"/>
-              </a:ext>
-            </a:extLst>
-          </p:cNvPr>
-          <p:cNvSpPr>
-            <a:spLocks noGrp="1"/>
-          </p:cNvSpPr>
-          <p:nvPr>
-            <p:ph type="title"/>
-          </p:nvPr>
-        </p:nvSpPr>
-        <p:spPr/>
-        <p:txBody>
-          <a:bodyPr/>
-          <a:lstStyle/>
-          <a:p>
-            <a:r>
-              <a:rPr lang="en-US" dirty="0"/>
-              <a:t>Original code</a:t>
-            </a:r>
-          </a:p>
-        </p:txBody>
-      </p:sp>
-      <p:sp>
-        <p:nvSpPr>
-          <p:cNvPr id="3" name="Content Placeholder 2">
-            <a:extLst>
-              <a:ext uri="{FF2B5EF4-FFF2-40B4-BE49-F238E27FC236}">
-                <a16:creationId xmlns:a16="http://schemas.microsoft.com/office/drawing/2014/main" xmlns="" id="{4D647C95-265D-A24C-B166-A7281C9A79F5}"/>
-              </a:ext>
-            </a:extLst>
-          </p:cNvPr>
-          <p:cNvSpPr>
-            <a:spLocks noGrp="1"/>
-          </p:cNvSpPr>
-          <p:nvPr>
-            <p:ph idx="1"/>
-          </p:nvPr>
-        </p:nvSpPr>
-        <p:spPr>
-          <a:xfrm>
-            <a:off x="409507" y="1125545"/>
-            <a:ext cx="11369809" cy="4047778"/>
-          </a:xfrm>
-        </p:spPr>
-        <p:txBody>
-          <a:bodyPr/>
-          <a:lstStyle/>
-          <a:p>
-            <a:pPr marL="0" indent="0">
-              <a:spcBef>
-                <a:spcPts val="0"/>
-              </a:spcBef>
-              <a:buNone/>
-            </a:pPr>
-            <a:r>
-              <a:rPr lang="en-US" sz="1800" dirty="0" err="1">
-                <a:latin typeface="Consolas" panose="020B0609020204030204" pitchFamily="49" charset="0"/>
-                <a:cs typeface="Consolas" panose="020B0609020204030204" pitchFamily="49" charset="0"/>
-              </a:rPr>
-              <a:t>shared_nnet_spec</a:t>
-            </a:r>
-            <a:r>
-              <a:rPr lang="en-US" sz="1800" dirty="0">
-                <a:latin typeface="Consolas" panose="020B0609020204030204" pitchFamily="49" charset="0"/>
-                <a:cs typeface="Consolas" panose="020B0609020204030204" pitchFamily="49" charset="0"/>
-              </a:rPr>
-              <a:t>= [ 1200 ]</a:t>
-            </a:r>
-          </a:p>
-          <a:p>
-            <a:pPr marL="0" indent="0">
-              <a:spcBef>
-                <a:spcPts val="0"/>
-              </a:spcBef>
-              <a:buNone/>
-            </a:pPr>
-            <a:r>
-              <a:rPr lang="en-US" sz="1800" dirty="0">
-                <a:latin typeface="Consolas" panose="020B0609020204030204" pitchFamily="49" charset="0"/>
-                <a:cs typeface="Consolas" panose="020B0609020204030204" pitchFamily="49" charset="0"/>
-              </a:rPr>
-              <a:t>individual_nnet_spec0= [ 1200, 1200 ]</a:t>
-            </a:r>
-          </a:p>
-          <a:p>
-            <a:pPr marL="0" indent="0">
-              <a:spcBef>
-                <a:spcPts val="0"/>
-              </a:spcBef>
-              <a:buNone/>
-            </a:pPr>
-            <a:r>
-              <a:rPr lang="en-US" sz="1800" dirty="0">
-                <a:latin typeface="Consolas" panose="020B0609020204030204" pitchFamily="49" charset="0"/>
-                <a:cs typeface="Consolas" panose="020B0609020204030204" pitchFamily="49" charset="0"/>
-              </a:rPr>
-              <a:t>individual_nnet_spec1= [ 1200, 1200 ]</a:t>
-            </a:r>
-          </a:p>
-          <a:p>
-            <a:pPr marL="0" indent="0">
-              <a:spcBef>
-                <a:spcPts val="0"/>
-              </a:spcBef>
-              <a:buNone/>
-            </a:pPr>
-            <a:r>
-              <a:rPr lang="en-US" sz="1800" dirty="0">
-                <a:latin typeface="Consolas" panose="020B0609020204030204" pitchFamily="49" charset="0"/>
-                <a:cs typeface="Consolas" panose="020B0609020204030204" pitchFamily="49" charset="0"/>
-              </a:rPr>
-              <a:t>individual_nnet_spec2= [ 1200, 1200 ]</a:t>
-            </a:r>
-          </a:p>
-          <a:p>
-            <a:pPr marL="0" indent="0">
-              <a:spcBef>
-                <a:spcPts val="0"/>
-              </a:spcBef>
-              <a:buNone/>
-            </a:pPr>
-            <a:r>
-              <a:rPr lang="en-US" sz="1800" dirty="0" err="1">
-                <a:latin typeface="Consolas" panose="020B0609020204030204" pitchFamily="49" charset="0"/>
-                <a:cs typeface="Consolas" panose="020B0609020204030204" pitchFamily="49" charset="0"/>
-              </a:rPr>
-              <a:t>individual_nnet_spec</a:t>
-            </a:r>
-            <a:r>
-              <a:rPr lang="en-US" sz="1800" dirty="0">
-                <a:latin typeface="Consolas" panose="020B0609020204030204" pitchFamily="49" charset="0"/>
-                <a:cs typeface="Consolas" panose="020B0609020204030204" pitchFamily="49" charset="0"/>
-              </a:rPr>
-              <a:t> = [ individual_nnet_spec0, individual_nnet_spec1, individual_nnet_spec2 ]</a:t>
-            </a:r>
-          </a:p>
-          <a:p>
-            <a:pPr marL="0" indent="0">
-              <a:spcBef>
-                <a:spcPts val="0"/>
-              </a:spcBef>
-              <a:buNone/>
-            </a:pPr>
-            <a:endParaRPr lang="en-US" sz="1800" dirty="0">
-              <a:latin typeface="Consolas" panose="020B0609020204030204" pitchFamily="49" charset="0"/>
-              <a:cs typeface="Consolas" panose="020B0609020204030204" pitchFamily="49" charset="0"/>
-            </a:endParaRPr>
-          </a:p>
-          <a:p>
-            <a:pPr marL="0" indent="0">
-              <a:spcBef>
-                <a:spcPts val="0"/>
-              </a:spcBef>
-              <a:buNone/>
-            </a:pPr>
-            <a:r>
-              <a:rPr lang="en-US" sz="1800" dirty="0" err="1">
-                <a:latin typeface="Consolas" panose="020B0609020204030204" pitchFamily="49" charset="0"/>
-                <a:cs typeface="Consolas" panose="020B0609020204030204" pitchFamily="49" charset="0"/>
-              </a:rPr>
-              <a:t>learning_rate</a:t>
-            </a:r>
-            <a:r>
-              <a:rPr lang="en-US" sz="1800" dirty="0">
-                <a:latin typeface="Consolas" panose="020B0609020204030204" pitchFamily="49" charset="0"/>
-                <a:cs typeface="Consolas" panose="020B0609020204030204" pitchFamily="49" charset="0"/>
-              </a:rPr>
-              <a:t> = 0.01</a:t>
-            </a:r>
-          </a:p>
-          <a:p>
-            <a:pPr marL="0" indent="0">
-              <a:spcBef>
-                <a:spcPts val="0"/>
-              </a:spcBef>
-              <a:buNone/>
-            </a:pPr>
-            <a:r>
-              <a:rPr lang="en-US" sz="1800" dirty="0" err="1">
-                <a:latin typeface="Consolas" panose="020B0609020204030204" pitchFamily="49" charset="0"/>
-                <a:cs typeface="Consolas" panose="020B0609020204030204" pitchFamily="49" charset="0"/>
-              </a:rPr>
-              <a:t>batch_size</a:t>
-            </a:r>
-            <a:r>
-              <a:rPr lang="en-US" sz="1800" dirty="0">
-                <a:latin typeface="Consolas" panose="020B0609020204030204" pitchFamily="49" charset="0"/>
-                <a:cs typeface="Consolas" panose="020B0609020204030204" pitchFamily="49" charset="0"/>
-              </a:rPr>
-              <a:t> = 10</a:t>
-            </a:r>
-          </a:p>
-          <a:p>
-            <a:pPr marL="0" indent="0">
-              <a:spcBef>
-                <a:spcPts val="0"/>
-              </a:spcBef>
-              <a:buNone/>
-            </a:pPr>
-            <a:r>
-              <a:rPr lang="en-US" sz="1800" dirty="0" err="1">
-                <a:latin typeface="Consolas" panose="020B0609020204030204" pitchFamily="49" charset="0"/>
-                <a:cs typeface="Consolas" panose="020B0609020204030204" pitchFamily="49" charset="0"/>
-              </a:rPr>
-              <a:t>n_epochs</a:t>
-            </a:r>
-            <a:r>
-              <a:rPr lang="en-US" sz="1800" dirty="0">
-                <a:latin typeface="Consolas" panose="020B0609020204030204" pitchFamily="49" charset="0"/>
-                <a:cs typeface="Consolas" panose="020B0609020204030204" pitchFamily="49" charset="0"/>
-              </a:rPr>
-              <a:t> = 10</a:t>
-            </a:r>
-          </a:p>
-          <a:p>
-            <a:pPr marL="0" indent="0">
-              <a:spcBef>
-                <a:spcPts val="0"/>
-              </a:spcBef>
-              <a:buNone/>
-            </a:pPr>
-            <a:r>
-              <a:rPr lang="en-US" sz="1800" dirty="0">
-                <a:latin typeface="Consolas" panose="020B0609020204030204" pitchFamily="49" charset="0"/>
-                <a:cs typeface="Consolas" panose="020B0609020204030204" pitchFamily="49" charset="0"/>
-              </a:rPr>
-              <a:t>dropout = 0.0</a:t>
-            </a:r>
-          </a:p>
-          <a:p>
-            <a:pPr marL="0" indent="0">
-              <a:spcBef>
-                <a:spcPts val="0"/>
-              </a:spcBef>
-              <a:buNone/>
-            </a:pPr>
-            <a:endParaRPr lang="en-US" sz="1800" dirty="0">
-              <a:latin typeface="Consolas" panose="020B0609020204030204" pitchFamily="49" charset="0"/>
-              <a:cs typeface="Consolas" panose="020B0609020204030204" pitchFamily="49" charset="0"/>
-            </a:endParaRPr>
-          </a:p>
-          <a:p>
-            <a:pPr marL="0" indent="0">
-              <a:spcBef>
-                <a:spcPts val="0"/>
-              </a:spcBef>
-              <a:buNone/>
-            </a:pPr>
-            <a:r>
-              <a:rPr lang="en-US" sz="1800" dirty="0">
-                <a:latin typeface="Consolas" panose="020B0609020204030204" pitchFamily="49" charset="0"/>
-                <a:cs typeface="Consolas" panose="020B0609020204030204" pitchFamily="49" charset="0"/>
-              </a:rPr>
-              <a:t>## Read files</a:t>
-            </a:r>
-          </a:p>
-          <a:p>
-            <a:pPr marL="0" indent="0">
-              <a:spcBef>
-                <a:spcPts val="0"/>
-              </a:spcBef>
-              <a:buNone/>
-            </a:pPr>
-            <a:r>
-              <a:rPr lang="en-US" sz="1800" dirty="0">
-                <a:latin typeface="Consolas" panose="020B0609020204030204" pitchFamily="49" charset="0"/>
-                <a:cs typeface="Consolas" panose="020B0609020204030204" pitchFamily="49" charset="0"/>
-              </a:rPr>
-              <a:t>from </a:t>
-            </a:r>
-            <a:r>
-              <a:rPr lang="en-US" sz="1800" dirty="0" err="1">
-                <a:latin typeface="Consolas" panose="020B0609020204030204" pitchFamily="49" charset="0"/>
-                <a:cs typeface="Consolas" panose="020B0609020204030204" pitchFamily="49" charset="0"/>
-              </a:rPr>
-              <a:t>data_utils</a:t>
-            </a:r>
-            <a:r>
-              <a:rPr lang="en-US" sz="1800" dirty="0">
-                <a:latin typeface="Consolas" panose="020B0609020204030204" pitchFamily="49" charset="0"/>
-                <a:cs typeface="Consolas" panose="020B0609020204030204" pitchFamily="49" charset="0"/>
-              </a:rPr>
-              <a:t> import </a:t>
-            </a:r>
-            <a:r>
-              <a:rPr lang="en-US" sz="1800" dirty="0" err="1">
-                <a:latin typeface="Consolas" panose="020B0609020204030204" pitchFamily="49" charset="0"/>
-                <a:cs typeface="Consolas" panose="020B0609020204030204" pitchFamily="49" charset="0"/>
-              </a:rPr>
-              <a:t>get_file</a:t>
-            </a:r>
-            <a:endParaRPr lang="en-US" sz="1800" dirty="0">
-              <a:latin typeface="Consolas" panose="020B0609020204030204" pitchFamily="49" charset="0"/>
-              <a:cs typeface="Consolas" panose="020B0609020204030204" pitchFamily="49" charset="0"/>
-            </a:endParaRPr>
-          </a:p>
-          <a:p>
-            <a:pPr marL="0" indent="0">
-              <a:spcBef>
-                <a:spcPts val="0"/>
-              </a:spcBef>
-              <a:buNone/>
-            </a:pPr>
-            <a:r>
-              <a:rPr lang="en-US" sz="1800" dirty="0">
-                <a:latin typeface="Consolas" panose="020B0609020204030204" pitchFamily="49" charset="0"/>
-                <a:cs typeface="Consolas" panose="020B0609020204030204" pitchFamily="49" charset="0"/>
-              </a:rPr>
-              <a:t>origin = 'http://</a:t>
-            </a:r>
-            <a:r>
-              <a:rPr lang="en-US" sz="1800" dirty="0" err="1">
-                <a:latin typeface="Consolas" panose="020B0609020204030204" pitchFamily="49" charset="0"/>
-                <a:cs typeface="Consolas" panose="020B0609020204030204" pitchFamily="49" charset="0"/>
-              </a:rPr>
-              <a:t>ftp.mcs.anl.gov</a:t>
-            </a:r>
-            <a:r>
-              <a:rPr lang="en-US" sz="1800" dirty="0">
-                <a:latin typeface="Consolas" panose="020B0609020204030204" pitchFamily="49" charset="0"/>
-                <a:cs typeface="Consolas" panose="020B0609020204030204" pitchFamily="49" charset="0"/>
-              </a:rPr>
-              <a:t>/pub/candle/public/benchmarks/P3B1/P3B1_data.tgz’</a:t>
-            </a:r>
-          </a:p>
-          <a:p>
-            <a:pPr marL="0" indent="0">
-              <a:spcBef>
-                <a:spcPts val="0"/>
-              </a:spcBef>
-              <a:buNone/>
-            </a:pPr>
-            <a:r>
-              <a:rPr lang="en-US" sz="1800" dirty="0" err="1">
-                <a:latin typeface="Consolas" panose="020B0609020204030204" pitchFamily="49" charset="0"/>
-                <a:cs typeface="Consolas" panose="020B0609020204030204" pitchFamily="49" charset="0"/>
-              </a:rPr>
-              <a:t>data_loc</a:t>
-            </a:r>
-            <a:r>
-              <a:rPr lang="en-US" sz="1800" dirty="0">
-                <a:latin typeface="Consolas" panose="020B0609020204030204" pitchFamily="49" charset="0"/>
-                <a:cs typeface="Consolas" panose="020B0609020204030204" pitchFamily="49" charset="0"/>
-              </a:rPr>
-              <a:t> = </a:t>
-            </a:r>
-            <a:r>
-              <a:rPr lang="en-US" sz="1800" dirty="0" err="1">
-                <a:latin typeface="Consolas" panose="020B0609020204030204" pitchFamily="49" charset="0"/>
-                <a:cs typeface="Consolas" panose="020B0609020204030204" pitchFamily="49" charset="0"/>
-              </a:rPr>
-              <a:t>get_file</a:t>
-            </a:r>
-            <a:r>
-              <a:rPr lang="en-US" sz="1800" dirty="0">
-                <a:latin typeface="Consolas" panose="020B0609020204030204" pitchFamily="49" charset="0"/>
-                <a:cs typeface="Consolas" panose="020B0609020204030204" pitchFamily="49" charset="0"/>
-              </a:rPr>
-              <a:t>('P3B1_data.tgz', origin, </a:t>
-            </a:r>
-            <a:r>
-              <a:rPr lang="en-US" sz="1800" dirty="0" err="1">
-                <a:latin typeface="Consolas" panose="020B0609020204030204" pitchFamily="49" charset="0"/>
-                <a:cs typeface="Consolas" panose="020B0609020204030204" pitchFamily="49" charset="0"/>
-              </a:rPr>
-              <a:t>untar</a:t>
-            </a:r>
-            <a:r>
-              <a:rPr lang="en-US" sz="1800" dirty="0">
-                <a:latin typeface="Consolas" panose="020B0609020204030204" pitchFamily="49" charset="0"/>
-                <a:cs typeface="Consolas" panose="020B0609020204030204" pitchFamily="49" charset="0"/>
-              </a:rPr>
-              <a:t>=True, md5_hash=None, </a:t>
-            </a:r>
-            <a:r>
-              <a:rPr lang="en-US" sz="1800" dirty="0" err="1">
-                <a:latin typeface="Consolas" panose="020B0609020204030204" pitchFamily="49" charset="0"/>
-                <a:cs typeface="Consolas" panose="020B0609020204030204" pitchFamily="49" charset="0"/>
-              </a:rPr>
-              <a:t>cache_subdir</a:t>
-            </a:r>
-            <a:r>
-              <a:rPr lang="en-US" sz="1800" dirty="0">
-                <a:latin typeface="Consolas" panose="020B0609020204030204" pitchFamily="49" charset="0"/>
-                <a:cs typeface="Consolas" panose="020B0609020204030204" pitchFamily="49" charset="0"/>
-              </a:rPr>
-              <a:t>='P3B1')</a:t>
-            </a:r>
-          </a:p>
-        </p:txBody>
-      </p:sp>
-    </p:spTree>
-    <p:extLst>
-      <p:ext uri="{BB962C8B-B14F-4D97-AF65-F5344CB8AC3E}">
-        <p14:creationId xmlns:p14="http://schemas.microsoft.com/office/powerpoint/2010/main" val="113533718"/>
-      </p:ext>
-    </p:extLst>
-  </p:cSld>
-  <p:clrMapOvr>
-    <a:masterClrMapping/>
-  </p:clrMapOvr>
-</p:sld>
-</file>
-
-<file path=ppt/slides/slide14.xml><?xml version="1.0" encoding="utf-8"?>
-<p:sld xmlns:a="http://schemas.openxmlformats.org/drawingml/2006/main" xmlns:r="http://schemas.openxmlformats.org/officeDocument/2006/relationships" xmlns:p="http://schemas.openxmlformats.org/presentationml/2006/main">
-  <p:cSld>
-    <p:spTree>
-      <p:nvGrpSpPr>
-        <p:cNvPr id="1" name=""/>
-        <p:cNvGrpSpPr/>
-        <p:nvPr/>
-      </p:nvGrpSpPr>
-      <p:grpSpPr>
-        <a:xfrm>
-          <a:off x="0" y="0"/>
-          <a:ext cx="0" cy="0"/>
-          <a:chOff x="0" y="0"/>
-          <a:chExt cx="0" cy="0"/>
-        </a:xfrm>
-      </p:grpSpPr>
-      <p:sp>
-        <p:nvSpPr>
-          <p:cNvPr id="2" name="Title 1">
-            <a:extLst>
-              <a:ext uri="{FF2B5EF4-FFF2-40B4-BE49-F238E27FC236}">
-                <a16:creationId xmlns:a16="http://schemas.microsoft.com/office/drawing/2014/main" xmlns="" id="{941ABD7F-BB07-044B-A21F-771DC104F34C}"/>
-              </a:ext>
-            </a:extLst>
-          </p:cNvPr>
-          <p:cNvSpPr>
-            <a:spLocks noGrp="1"/>
-          </p:cNvSpPr>
-          <p:nvPr>
-            <p:ph type="title"/>
-          </p:nvPr>
-        </p:nvSpPr>
-        <p:spPr/>
-        <p:txBody>
-          <a:bodyPr/>
-          <a:lstStyle/>
-          <a:p>
-            <a:r>
-              <a:rPr lang="en-US" dirty="0"/>
-              <a:t>CANDLE code</a:t>
-            </a:r>
-          </a:p>
-        </p:txBody>
-      </p:sp>
-      <p:sp>
-        <p:nvSpPr>
-          <p:cNvPr id="3" name="Content Placeholder 2">
-            <a:extLst>
-              <a:ext uri="{FF2B5EF4-FFF2-40B4-BE49-F238E27FC236}">
-                <a16:creationId xmlns:a16="http://schemas.microsoft.com/office/drawing/2014/main" xmlns="" id="{51BAE06F-CEAC-1E42-AAEA-5E20A1659645}"/>
-              </a:ext>
-            </a:extLst>
-          </p:cNvPr>
-          <p:cNvSpPr>
-            <a:spLocks noGrp="1"/>
-          </p:cNvSpPr>
-          <p:nvPr>
-            <p:ph idx="1"/>
-          </p:nvPr>
-        </p:nvSpPr>
-        <p:spPr>
-          <a:xfrm>
-            <a:off x="368424" y="1271459"/>
-            <a:ext cx="11369809" cy="4047778"/>
-          </a:xfrm>
-        </p:spPr>
-        <p:txBody>
-          <a:bodyPr/>
-          <a:lstStyle/>
-          <a:p>
-            <a:pPr marL="0" indent="0">
-              <a:spcBef>
-                <a:spcPts val="0"/>
-              </a:spcBef>
-              <a:buNone/>
-            </a:pPr>
-            <a:r>
-              <a:rPr lang="en-US" sz="1800" dirty="0" err="1">
-                <a:latin typeface="Consolas" panose="020B0609020204030204" pitchFamily="49" charset="0"/>
-                <a:cs typeface="Consolas" panose="020B0609020204030204" pitchFamily="49" charset="0"/>
-              </a:rPr>
-              <a:t>gParameters</a:t>
-            </a:r>
-            <a:r>
-              <a:rPr lang="en-US" sz="1800" dirty="0">
-                <a:latin typeface="Consolas" panose="020B0609020204030204" pitchFamily="49" charset="0"/>
-                <a:cs typeface="Consolas" panose="020B0609020204030204" pitchFamily="49" charset="0"/>
-              </a:rPr>
-              <a:t> = </a:t>
-            </a:r>
-            <a:r>
-              <a:rPr lang="en-US" sz="1800" dirty="0" err="1">
-                <a:latin typeface="Consolas" panose="020B0609020204030204" pitchFamily="49" charset="0"/>
-                <a:cs typeface="Consolas" panose="020B0609020204030204" pitchFamily="49" charset="0"/>
-              </a:rPr>
-              <a:t>initialize_parameters</a:t>
-            </a:r>
-            <a:r>
-              <a:rPr lang="en-US" sz="1800" dirty="0">
-                <a:latin typeface="Consolas" panose="020B0609020204030204" pitchFamily="49" charset="0"/>
-                <a:cs typeface="Consolas" panose="020B0609020204030204" pitchFamily="49" charset="0"/>
-              </a:rPr>
-              <a:t>()</a:t>
-            </a:r>
-          </a:p>
-          <a:p>
-            <a:pPr marL="0" indent="0">
-              <a:spcBef>
-                <a:spcPts val="0"/>
-              </a:spcBef>
-              <a:buNone/>
-            </a:pPr>
-            <a:r>
-              <a:rPr lang="en-US" sz="1800" dirty="0">
-                <a:latin typeface="Consolas" panose="020B0609020204030204" pitchFamily="49" charset="0"/>
-                <a:cs typeface="Consolas" panose="020B0609020204030204" pitchFamily="49" charset="0"/>
-              </a:rPr>
-              <a:t>….</a:t>
-            </a:r>
-          </a:p>
-          <a:p>
-            <a:pPr marL="0" indent="0">
-              <a:spcBef>
-                <a:spcPts val="0"/>
-              </a:spcBef>
-              <a:buNone/>
-            </a:pPr>
-            <a:endParaRPr lang="en-US" sz="1800" dirty="0">
-              <a:latin typeface="Consolas" panose="020B0609020204030204" pitchFamily="49" charset="0"/>
-              <a:cs typeface="Consolas" panose="020B0609020204030204" pitchFamily="49" charset="0"/>
-            </a:endParaRPr>
-          </a:p>
-          <a:p>
-            <a:pPr marL="0" indent="0">
-              <a:spcBef>
-                <a:spcPts val="0"/>
-              </a:spcBef>
-              <a:buNone/>
-            </a:pPr>
-            <a:r>
-              <a:rPr lang="en-US" sz="1800" dirty="0">
-                <a:latin typeface="Consolas" panose="020B0609020204030204" pitchFamily="49" charset="0"/>
-                <a:cs typeface="Consolas" panose="020B0609020204030204" pitchFamily="49" charset="0"/>
-              </a:rPr>
-              <a:t># input layer    </a:t>
-            </a:r>
-          </a:p>
-          <a:p>
-            <a:pPr marL="0" indent="0">
-              <a:spcBef>
-                <a:spcPts val="0"/>
-              </a:spcBef>
-              <a:buNone/>
-            </a:pPr>
-            <a:r>
-              <a:rPr lang="en-US" sz="1800" dirty="0">
-                <a:latin typeface="Consolas" panose="020B0609020204030204" pitchFamily="49" charset="0"/>
-                <a:cs typeface="Consolas" panose="020B0609020204030204" pitchFamily="49" charset="0"/>
-              </a:rPr>
-              <a:t>layer = Input( shape = ( </a:t>
-            </a:r>
-            <a:r>
-              <a:rPr lang="en-US" sz="1800" dirty="0" err="1">
-                <a:latin typeface="Consolas" panose="020B0609020204030204" pitchFamily="49" charset="0"/>
-                <a:cs typeface="Consolas" panose="020B0609020204030204" pitchFamily="49" charset="0"/>
-              </a:rPr>
-              <a:t>input_dim</a:t>
-            </a:r>
-            <a:r>
-              <a:rPr lang="en-US" sz="1800" dirty="0">
-                <a:latin typeface="Consolas" panose="020B0609020204030204" pitchFamily="49" charset="0"/>
-                <a:cs typeface="Consolas" panose="020B0609020204030204" pitchFamily="49" charset="0"/>
-              </a:rPr>
-              <a:t>, ), name= 'input' )    </a:t>
-            </a:r>
-          </a:p>
-          <a:p>
-            <a:pPr marL="0" indent="0">
-              <a:spcBef>
-                <a:spcPts val="0"/>
-              </a:spcBef>
-              <a:buNone/>
-            </a:pPr>
-            <a:r>
-              <a:rPr lang="en-US" sz="1800" dirty="0" err="1">
-                <a:latin typeface="Consolas" panose="020B0609020204030204" pitchFamily="49" charset="0"/>
-                <a:cs typeface="Consolas" panose="020B0609020204030204" pitchFamily="49" charset="0"/>
-              </a:rPr>
-              <a:t>shared_layers.append</a:t>
-            </a:r>
-            <a:r>
-              <a:rPr lang="en-US" sz="1800" dirty="0">
-                <a:latin typeface="Consolas" panose="020B0609020204030204" pitchFamily="49" charset="0"/>
-                <a:cs typeface="Consolas" panose="020B0609020204030204" pitchFamily="49" charset="0"/>
-              </a:rPr>
-              <a:t>( layer )  </a:t>
-            </a:r>
-          </a:p>
-          <a:p>
-            <a:pPr marL="0" indent="0">
-              <a:spcBef>
-                <a:spcPts val="0"/>
-              </a:spcBef>
-              <a:buNone/>
-            </a:pPr>
-            <a:r>
-              <a:rPr lang="en-US" sz="1800" dirty="0">
-                <a:latin typeface="Consolas" panose="020B0609020204030204" pitchFamily="49" charset="0"/>
-                <a:cs typeface="Consolas" panose="020B0609020204030204" pitchFamily="49" charset="0"/>
-              </a:rPr>
-              <a:t>  </a:t>
-            </a:r>
-          </a:p>
-          <a:p>
-            <a:pPr marL="0" indent="0">
-              <a:spcBef>
-                <a:spcPts val="0"/>
-              </a:spcBef>
-              <a:buNone/>
-            </a:pPr>
-            <a:r>
-              <a:rPr lang="en-US" sz="1800" dirty="0">
-                <a:latin typeface="Consolas" panose="020B0609020204030204" pitchFamily="49" charset="0"/>
-                <a:cs typeface="Consolas" panose="020B0609020204030204" pitchFamily="49" charset="0"/>
-              </a:rPr>
-              <a:t># shared layers    </a:t>
-            </a:r>
-          </a:p>
-          <a:p>
-            <a:pPr marL="0" indent="0">
-              <a:spcBef>
-                <a:spcPts val="0"/>
-              </a:spcBef>
-              <a:buNone/>
-            </a:pPr>
-            <a:r>
-              <a:rPr lang="en-US" sz="1800" dirty="0">
-                <a:latin typeface="Consolas" panose="020B0609020204030204" pitchFamily="49" charset="0"/>
-                <a:cs typeface="Consolas" panose="020B0609020204030204" pitchFamily="49" charset="0"/>
-              </a:rPr>
-              <a:t>for k in range( </a:t>
-            </a:r>
-            <a:r>
-              <a:rPr lang="en-US" sz="1800" dirty="0" err="1">
-                <a:latin typeface="Consolas" panose="020B0609020204030204" pitchFamily="49" charset="0"/>
-                <a:cs typeface="Consolas" panose="020B0609020204030204" pitchFamily="49" charset="0"/>
-              </a:rPr>
-              <a:t>len</a:t>
-            </a:r>
-            <a:r>
-              <a:rPr lang="en-US" sz="1800" dirty="0">
-                <a:latin typeface="Consolas" panose="020B0609020204030204" pitchFamily="49" charset="0"/>
-                <a:cs typeface="Consolas" panose="020B0609020204030204" pitchFamily="49" charset="0"/>
-              </a:rPr>
-              <a:t>( </a:t>
-            </a:r>
-            <a:r>
-              <a:rPr lang="en-US" sz="1800" dirty="0" err="1">
-                <a:latin typeface="Consolas" panose="020B0609020204030204" pitchFamily="49" charset="0"/>
-                <a:cs typeface="Consolas" panose="020B0609020204030204" pitchFamily="49" charset="0"/>
-              </a:rPr>
-              <a:t>shared_nnet_spec</a:t>
-            </a:r>
-            <a:r>
-              <a:rPr lang="en-US" sz="1800" dirty="0">
-                <a:latin typeface="Consolas" panose="020B0609020204030204" pitchFamily="49" charset="0"/>
-                <a:cs typeface="Consolas" panose="020B0609020204030204" pitchFamily="49" charset="0"/>
-              </a:rPr>
-              <a:t> ) ):        </a:t>
-            </a:r>
-          </a:p>
-          <a:p>
-            <a:pPr marL="0" indent="0">
-              <a:spcBef>
-                <a:spcPts val="0"/>
-              </a:spcBef>
-              <a:buNone/>
-            </a:pPr>
-            <a:r>
-              <a:rPr lang="en-US" sz="1800" dirty="0">
-                <a:latin typeface="Consolas" panose="020B0609020204030204" pitchFamily="49" charset="0"/>
-                <a:cs typeface="Consolas" panose="020B0609020204030204" pitchFamily="49" charset="0"/>
-              </a:rPr>
-              <a:t>      layer = Dense( </a:t>
-            </a:r>
-            <a:r>
-              <a:rPr lang="en-US" sz="1800" dirty="0" err="1">
-                <a:latin typeface="Consolas" panose="020B0609020204030204" pitchFamily="49" charset="0"/>
-                <a:cs typeface="Consolas" panose="020B0609020204030204" pitchFamily="49" charset="0"/>
-              </a:rPr>
-              <a:t>shared_nnet_spec</a:t>
-            </a:r>
-            <a:r>
-              <a:rPr lang="en-US" sz="1800" dirty="0">
-                <a:latin typeface="Consolas" panose="020B0609020204030204" pitchFamily="49" charset="0"/>
-                <a:cs typeface="Consolas" panose="020B0609020204030204" pitchFamily="49" charset="0"/>
-              </a:rPr>
-              <a:t>[ k ], activation=</a:t>
-            </a:r>
-            <a:r>
-              <a:rPr lang="en-US" sz="1800" dirty="0" err="1">
-                <a:latin typeface="Consolas" panose="020B0609020204030204" pitchFamily="49" charset="0"/>
-                <a:cs typeface="Consolas" panose="020B0609020204030204" pitchFamily="49" charset="0"/>
-              </a:rPr>
-              <a:t>gParameters</a:t>
-            </a:r>
-            <a:r>
-              <a:rPr lang="en-US" sz="1800" dirty="0">
-                <a:latin typeface="Consolas" panose="020B0609020204030204" pitchFamily="49" charset="0"/>
-                <a:cs typeface="Consolas" panose="020B0609020204030204" pitchFamily="49" charset="0"/>
-              </a:rPr>
-              <a:t>['activation'],</a:t>
-            </a:r>
-          </a:p>
-          <a:p>
-            <a:pPr marL="0" indent="0">
-              <a:spcBef>
-                <a:spcPts val="0"/>
-              </a:spcBef>
-              <a:buNone/>
-            </a:pPr>
-            <a:r>
-              <a:rPr lang="en-US" sz="1800" dirty="0">
-                <a:latin typeface="Consolas" panose="020B0609020204030204" pitchFamily="49" charset="0"/>
-                <a:cs typeface="Consolas" panose="020B0609020204030204" pitchFamily="49" charset="0"/>
-              </a:rPr>
-              <a:t>            name= '</a:t>
-            </a:r>
-            <a:r>
-              <a:rPr lang="en-US" sz="1800" dirty="0" err="1">
-                <a:latin typeface="Consolas" panose="020B0609020204030204" pitchFamily="49" charset="0"/>
-                <a:cs typeface="Consolas" panose="020B0609020204030204" pitchFamily="49" charset="0"/>
-              </a:rPr>
-              <a:t>shared_layer</a:t>
-            </a:r>
-            <a:r>
-              <a:rPr lang="en-US" sz="1800" dirty="0">
-                <a:latin typeface="Consolas" panose="020B0609020204030204" pitchFamily="49" charset="0"/>
-                <a:cs typeface="Consolas" panose="020B0609020204030204" pitchFamily="49" charset="0"/>
-              </a:rPr>
-              <a:t>_' + </a:t>
-            </a:r>
-            <a:r>
-              <a:rPr lang="en-US" sz="1800" dirty="0" err="1">
-                <a:latin typeface="Consolas" panose="020B0609020204030204" pitchFamily="49" charset="0"/>
-                <a:cs typeface="Consolas" panose="020B0609020204030204" pitchFamily="49" charset="0"/>
-              </a:rPr>
-              <a:t>str</a:t>
-            </a:r>
-            <a:r>
-              <a:rPr lang="en-US" sz="1800" dirty="0">
-                <a:latin typeface="Consolas" panose="020B0609020204030204" pitchFamily="49" charset="0"/>
-                <a:cs typeface="Consolas" panose="020B0609020204030204" pitchFamily="49" charset="0"/>
-              </a:rPr>
-              <a:t>( k ) )( </a:t>
-            </a:r>
-            <a:r>
-              <a:rPr lang="en-US" sz="1800" dirty="0" err="1">
-                <a:latin typeface="Consolas" panose="020B0609020204030204" pitchFamily="49" charset="0"/>
-                <a:cs typeface="Consolas" panose="020B0609020204030204" pitchFamily="49" charset="0"/>
-              </a:rPr>
-              <a:t>shared_layers</a:t>
-            </a:r>
-            <a:r>
-              <a:rPr lang="en-US" sz="1800" dirty="0">
-                <a:latin typeface="Consolas" panose="020B0609020204030204" pitchFamily="49" charset="0"/>
-                <a:cs typeface="Consolas" panose="020B0609020204030204" pitchFamily="49" charset="0"/>
-              </a:rPr>
-              <a:t>[ -1 ] )        </a:t>
-            </a:r>
-          </a:p>
-          <a:p>
-            <a:pPr marL="0" indent="0">
-              <a:spcBef>
-                <a:spcPts val="0"/>
-              </a:spcBef>
-              <a:buNone/>
-            </a:pPr>
-            <a:endParaRPr lang="en-US" sz="1800" dirty="0">
-              <a:latin typeface="Consolas" panose="020B0609020204030204" pitchFamily="49" charset="0"/>
-              <a:cs typeface="Consolas" panose="020B0609020204030204" pitchFamily="49" charset="0"/>
-            </a:endParaRPr>
-          </a:p>
-          <a:p>
-            <a:pPr marL="0" indent="0">
-              <a:spcBef>
-                <a:spcPts val="0"/>
-              </a:spcBef>
-              <a:buNone/>
-            </a:pPr>
-            <a:r>
-              <a:rPr lang="en-US" sz="1800" dirty="0">
-                <a:latin typeface="Consolas" panose="020B0609020204030204" pitchFamily="49" charset="0"/>
-                <a:cs typeface="Consolas" panose="020B0609020204030204" pitchFamily="49" charset="0"/>
-              </a:rPr>
-              <a:t>      if </a:t>
-            </a:r>
-            <a:r>
-              <a:rPr lang="en-US" sz="1800" dirty="0" err="1">
-                <a:latin typeface="Consolas" panose="020B0609020204030204" pitchFamily="49" charset="0"/>
-                <a:cs typeface="Consolas" panose="020B0609020204030204" pitchFamily="49" charset="0"/>
-              </a:rPr>
-              <a:t>gParameters</a:t>
-            </a:r>
-            <a:r>
-              <a:rPr lang="en-US" sz="1800" dirty="0">
-                <a:latin typeface="Consolas" panose="020B0609020204030204" pitchFamily="49" charset="0"/>
-                <a:cs typeface="Consolas" panose="020B0609020204030204" pitchFamily="49" charset="0"/>
-              </a:rPr>
-              <a:t>['drop'] &gt; 0:</a:t>
-            </a:r>
-          </a:p>
-          <a:p>
-            <a:pPr marL="0" indent="0">
-              <a:spcBef>
-                <a:spcPts val="0"/>
-              </a:spcBef>
-              <a:buNone/>
-            </a:pPr>
-            <a:r>
-              <a:rPr lang="en-US" sz="1800" dirty="0">
-                <a:latin typeface="Consolas" panose="020B0609020204030204" pitchFamily="49" charset="0"/>
-                <a:cs typeface="Consolas" panose="020B0609020204030204" pitchFamily="49" charset="0"/>
-              </a:rPr>
-              <a:t>            layer = Dropout( </a:t>
-            </a:r>
-            <a:r>
-              <a:rPr lang="en-US" sz="1800" dirty="0" err="1">
-                <a:latin typeface="Consolas" panose="020B0609020204030204" pitchFamily="49" charset="0"/>
-                <a:cs typeface="Consolas" panose="020B0609020204030204" pitchFamily="49" charset="0"/>
-              </a:rPr>
-              <a:t>gParameters</a:t>
-            </a:r>
-            <a:r>
-              <a:rPr lang="en-US" sz="1800" dirty="0">
-                <a:latin typeface="Consolas" panose="020B0609020204030204" pitchFamily="49" charset="0"/>
-                <a:cs typeface="Consolas" panose="020B0609020204030204" pitchFamily="49" charset="0"/>
-              </a:rPr>
-              <a:t>['drop'] )( </a:t>
-            </a:r>
-            <a:r>
-              <a:rPr lang="en-US" sz="1800" dirty="0" err="1">
-                <a:latin typeface="Consolas" panose="020B0609020204030204" pitchFamily="49" charset="0"/>
-                <a:cs typeface="Consolas" panose="020B0609020204030204" pitchFamily="49" charset="0"/>
-              </a:rPr>
-              <a:t>shared_layers</a:t>
-            </a:r>
-            <a:r>
-              <a:rPr lang="en-US" sz="1800" dirty="0">
-                <a:latin typeface="Consolas" panose="020B0609020204030204" pitchFamily="49" charset="0"/>
-                <a:cs typeface="Consolas" panose="020B0609020204030204" pitchFamily="49" charset="0"/>
-              </a:rPr>
-              <a:t>[ -1 ] )</a:t>
-            </a:r>
-          </a:p>
-          <a:p>
-            <a:pPr marL="0" indent="0">
-              <a:spcBef>
-                <a:spcPts val="0"/>
-              </a:spcBef>
-              <a:buNone/>
-            </a:pPr>
-            <a:r>
-              <a:rPr lang="en-US" sz="1800" dirty="0">
-                <a:latin typeface="Consolas" panose="020B0609020204030204" pitchFamily="49" charset="0"/>
-                <a:cs typeface="Consolas" panose="020B0609020204030204" pitchFamily="49" charset="0"/>
-              </a:rPr>
-              <a:t>      </a:t>
-            </a:r>
-            <a:r>
-              <a:rPr lang="en-US" sz="1800" dirty="0" err="1">
-                <a:latin typeface="Consolas" panose="020B0609020204030204" pitchFamily="49" charset="0"/>
-                <a:cs typeface="Consolas" panose="020B0609020204030204" pitchFamily="49" charset="0"/>
-              </a:rPr>
-              <a:t>shared_layers.append</a:t>
-            </a:r>
-            <a:r>
-              <a:rPr lang="en-US" sz="1800" dirty="0">
-                <a:latin typeface="Consolas" panose="020B0609020204030204" pitchFamily="49" charset="0"/>
-                <a:cs typeface="Consolas" panose="020B0609020204030204" pitchFamily="49" charset="0"/>
-              </a:rPr>
-              <a:t>( layer )    </a:t>
-            </a:r>
-          </a:p>
-          <a:p>
-            <a:pPr marL="0" indent="0">
-              <a:spcBef>
-                <a:spcPts val="0"/>
-              </a:spcBef>
-              <a:buNone/>
-            </a:pPr>
-            <a:endParaRPr lang="en-US" sz="1800" dirty="0">
-              <a:latin typeface="Consolas" panose="020B0609020204030204" pitchFamily="49" charset="0"/>
-              <a:cs typeface="Consolas" panose="020B0609020204030204" pitchFamily="49" charset="0"/>
-            </a:endParaRPr>
-          </a:p>
-          <a:p>
-            <a:pPr marL="0" indent="0">
-              <a:spcBef>
-                <a:spcPts val="0"/>
-              </a:spcBef>
-              <a:buNone/>
-            </a:pPr>
-            <a:r>
-              <a:rPr lang="en-US" sz="1800" dirty="0">
-                <a:latin typeface="Consolas" panose="020B0609020204030204" pitchFamily="49" charset="0"/>
-                <a:cs typeface="Consolas" panose="020B0609020204030204" pitchFamily="49" charset="0"/>
-              </a:rPr>
-              <a:t># individual layers    </a:t>
-            </a:r>
-          </a:p>
-          <a:p>
-            <a:pPr marL="0" indent="0">
-              <a:spcBef>
-                <a:spcPts val="0"/>
-              </a:spcBef>
-              <a:buNone/>
-            </a:pPr>
-            <a:r>
-              <a:rPr lang="en-US" sz="1800" dirty="0">
-                <a:latin typeface="Consolas" panose="020B0609020204030204" pitchFamily="49" charset="0"/>
-                <a:cs typeface="Consolas" panose="020B0609020204030204" pitchFamily="49" charset="0"/>
-              </a:rPr>
-              <a:t>……</a:t>
-            </a:r>
-          </a:p>
-        </p:txBody>
-      </p:sp>
-    </p:spTree>
-    <p:extLst>
-      <p:ext uri="{BB962C8B-B14F-4D97-AF65-F5344CB8AC3E}">
-        <p14:creationId xmlns:p14="http://schemas.microsoft.com/office/powerpoint/2010/main" val="3032687627"/>
-      </p:ext>
-    </p:extLst>
-  </p:cSld>
-  <p:clrMapOvr>
-    <a:masterClrMapping/>
-  </p:clrMapOvr>
-</p:sld>
-</file>
-
-<file path=ppt/slides/slide15.xml><?xml version="1.0" encoding="utf-8"?>
-<p:sld xmlns:a="http://schemas.openxmlformats.org/drawingml/2006/main" xmlns:r="http://schemas.openxmlformats.org/officeDocument/2006/relationships" xmlns:p="http://schemas.openxmlformats.org/presentationml/2006/main">
-  <p:cSld>
-    <p:spTree>
-      <p:nvGrpSpPr>
-        <p:cNvPr id="1" name=""/>
-        <p:cNvGrpSpPr/>
-        <p:nvPr/>
-      </p:nvGrpSpPr>
-      <p:grpSpPr>
-        <a:xfrm>
-          <a:off x="0" y="0"/>
-          <a:ext cx="0" cy="0"/>
-          <a:chOff x="0" y="0"/>
-          <a:chExt cx="0" cy="0"/>
-        </a:xfrm>
-      </p:grpSpPr>
-      <p:sp>
-        <p:nvSpPr>
-          <p:cNvPr id="2" name="Title 1">
-            <a:extLst>
-              <a:ext uri="{FF2B5EF4-FFF2-40B4-BE49-F238E27FC236}">
-                <a16:creationId xmlns:a16="http://schemas.microsoft.com/office/drawing/2014/main" xmlns="" id="{BAB048A5-FDD5-7940-BF86-AF551FC4F4DB}"/>
-              </a:ext>
-            </a:extLst>
-          </p:cNvPr>
-          <p:cNvSpPr>
-            <a:spLocks noGrp="1"/>
-          </p:cNvSpPr>
-          <p:nvPr>
-            <p:ph type="title"/>
-          </p:nvPr>
-        </p:nvSpPr>
-        <p:spPr/>
-        <p:txBody>
-          <a:bodyPr/>
-          <a:lstStyle/>
-          <a:p>
-            <a:r>
-              <a:rPr lang="en-US" dirty="0"/>
-              <a:t>CANDLE model file</a:t>
-            </a:r>
-          </a:p>
-        </p:txBody>
-      </p:sp>
-      <p:sp>
-        <p:nvSpPr>
-          <p:cNvPr id="3" name="Content Placeholder 2">
-            <a:extLst>
-              <a:ext uri="{FF2B5EF4-FFF2-40B4-BE49-F238E27FC236}">
-                <a16:creationId xmlns:a16="http://schemas.microsoft.com/office/drawing/2014/main" xmlns="" id="{BFD24003-0CBD-A943-A05A-B3CF010D1BE6}"/>
-              </a:ext>
-            </a:extLst>
-          </p:cNvPr>
-          <p:cNvSpPr>
-            <a:spLocks noGrp="1"/>
-          </p:cNvSpPr>
-          <p:nvPr>
-            <p:ph idx="1"/>
-          </p:nvPr>
-        </p:nvSpPr>
-        <p:spPr>
-          <a:xfrm>
-            <a:off x="365760" y="1135272"/>
-            <a:ext cx="11369809" cy="4047778"/>
-          </a:xfrm>
-        </p:spPr>
-        <p:txBody>
-          <a:bodyPr/>
-          <a:lstStyle/>
-          <a:p>
-            <a:pPr marL="0" indent="0">
-              <a:spcBef>
-                <a:spcPts val="0"/>
-              </a:spcBef>
-              <a:buNone/>
-            </a:pPr>
-            <a:r>
-              <a:rPr lang="en-US" sz="1800" dirty="0" err="1">
-                <a:latin typeface="Consolas" panose="020B0609020204030204" pitchFamily="49" charset="0"/>
-                <a:cs typeface="Consolas" panose="020B0609020204030204" pitchFamily="49" charset="0"/>
-              </a:rPr>
-              <a:t>data_url</a:t>
-            </a:r>
-            <a:r>
-              <a:rPr lang="en-US" sz="1800" dirty="0">
-                <a:latin typeface="Consolas" panose="020B0609020204030204" pitchFamily="49" charset="0"/>
-                <a:cs typeface="Consolas" panose="020B0609020204030204" pitchFamily="49" charset="0"/>
-              </a:rPr>
-              <a:t> = 'ftp://</a:t>
-            </a:r>
-            <a:r>
-              <a:rPr lang="en-US" sz="1800" dirty="0" err="1">
-                <a:latin typeface="Consolas" panose="020B0609020204030204" pitchFamily="49" charset="0"/>
-                <a:cs typeface="Consolas" panose="020B0609020204030204" pitchFamily="49" charset="0"/>
-              </a:rPr>
-              <a:t>ftp.mcs.anl.gov</a:t>
-            </a:r>
-            <a:r>
-              <a:rPr lang="en-US" sz="1800" dirty="0">
-                <a:latin typeface="Consolas" panose="020B0609020204030204" pitchFamily="49" charset="0"/>
-                <a:cs typeface="Consolas" panose="020B0609020204030204" pitchFamily="49" charset="0"/>
-              </a:rPr>
-              <a:t>/pub/candle/public/benchmarks/P3B1/’</a:t>
-            </a:r>
-          </a:p>
-          <a:p>
-            <a:pPr marL="0" indent="0">
-              <a:spcBef>
-                <a:spcPts val="0"/>
-              </a:spcBef>
-              <a:buNone/>
-            </a:pPr>
-            <a:r>
-              <a:rPr lang="en-US" sz="1800" dirty="0" err="1">
-                <a:latin typeface="Consolas" panose="020B0609020204030204" pitchFamily="49" charset="0"/>
-                <a:cs typeface="Consolas" panose="020B0609020204030204" pitchFamily="49" charset="0"/>
-              </a:rPr>
-              <a:t>train_data</a:t>
-            </a:r>
-            <a:r>
-              <a:rPr lang="en-US" sz="1800" dirty="0">
-                <a:latin typeface="Consolas" panose="020B0609020204030204" pitchFamily="49" charset="0"/>
-                <a:cs typeface="Consolas" panose="020B0609020204030204" pitchFamily="49" charset="0"/>
-              </a:rPr>
-              <a:t> = 'P3B1_data.tar.gz’</a:t>
-            </a:r>
-          </a:p>
-          <a:p>
-            <a:pPr marL="0" indent="0">
-              <a:spcBef>
-                <a:spcPts val="0"/>
-              </a:spcBef>
-              <a:buNone/>
-            </a:pPr>
-            <a:r>
-              <a:rPr lang="en-US" sz="1800" dirty="0" err="1">
-                <a:latin typeface="Consolas" panose="020B0609020204030204" pitchFamily="49" charset="0"/>
-                <a:cs typeface="Consolas" panose="020B0609020204030204" pitchFamily="49" charset="0"/>
-              </a:rPr>
-              <a:t>model_name</a:t>
-            </a:r>
-            <a:r>
-              <a:rPr lang="en-US" sz="1800" dirty="0">
-                <a:latin typeface="Consolas" panose="020B0609020204030204" pitchFamily="49" charset="0"/>
-                <a:cs typeface="Consolas" panose="020B0609020204030204" pitchFamily="49" charset="0"/>
-              </a:rPr>
-              <a:t> = 'p3b1’</a:t>
-            </a:r>
-          </a:p>
-          <a:p>
-            <a:pPr marL="0" indent="0">
-              <a:spcBef>
-                <a:spcPts val="0"/>
-              </a:spcBef>
-              <a:buNone/>
-            </a:pPr>
-            <a:r>
-              <a:rPr lang="en-US" sz="1800" dirty="0" err="1">
-                <a:latin typeface="Consolas" panose="020B0609020204030204" pitchFamily="49" charset="0"/>
-                <a:cs typeface="Consolas" panose="020B0609020204030204" pitchFamily="49" charset="0"/>
-              </a:rPr>
-              <a:t>learning_rate</a:t>
-            </a:r>
-            <a:r>
-              <a:rPr lang="en-US" sz="1800" dirty="0">
-                <a:latin typeface="Consolas" panose="020B0609020204030204" pitchFamily="49" charset="0"/>
-                <a:cs typeface="Consolas" panose="020B0609020204030204" pitchFamily="49" charset="0"/>
-              </a:rPr>
-              <a:t> = 0.01</a:t>
-            </a:r>
-          </a:p>
-          <a:p>
-            <a:pPr marL="0" indent="0">
-              <a:spcBef>
-                <a:spcPts val="0"/>
-              </a:spcBef>
-              <a:buNone/>
-            </a:pPr>
-            <a:r>
-              <a:rPr lang="en-US" sz="1800" dirty="0" err="1">
-                <a:latin typeface="Consolas" panose="020B0609020204030204" pitchFamily="49" charset="0"/>
-                <a:cs typeface="Consolas" panose="020B0609020204030204" pitchFamily="49" charset="0"/>
-              </a:rPr>
-              <a:t>batch_size</a:t>
-            </a:r>
-            <a:r>
-              <a:rPr lang="en-US" sz="1800" dirty="0">
-                <a:latin typeface="Consolas" panose="020B0609020204030204" pitchFamily="49" charset="0"/>
-                <a:cs typeface="Consolas" panose="020B0609020204030204" pitchFamily="49" charset="0"/>
-              </a:rPr>
-              <a:t> = 10</a:t>
-            </a:r>
-          </a:p>
-          <a:p>
-            <a:pPr marL="0" indent="0">
-              <a:spcBef>
-                <a:spcPts val="0"/>
-              </a:spcBef>
-              <a:buNone/>
-            </a:pPr>
-            <a:r>
-              <a:rPr lang="en-US" sz="1800" dirty="0">
-                <a:latin typeface="Consolas" panose="020B0609020204030204" pitchFamily="49" charset="0"/>
-                <a:cs typeface="Consolas" panose="020B0609020204030204" pitchFamily="49" charset="0"/>
-              </a:rPr>
-              <a:t>epochs = 10</a:t>
-            </a:r>
-          </a:p>
-          <a:p>
-            <a:pPr marL="0" indent="0">
-              <a:spcBef>
-                <a:spcPts val="0"/>
-              </a:spcBef>
-              <a:buNone/>
-            </a:pPr>
-            <a:r>
-              <a:rPr lang="en-US" sz="1800" dirty="0">
-                <a:latin typeface="Consolas" panose="020B0609020204030204" pitchFamily="49" charset="0"/>
-                <a:cs typeface="Consolas" panose="020B0609020204030204" pitchFamily="49" charset="0"/>
-              </a:rPr>
-              <a:t>drop = 0.0</a:t>
-            </a:r>
-          </a:p>
-          <a:p>
-            <a:pPr marL="0" indent="0">
-              <a:spcBef>
-                <a:spcPts val="0"/>
-              </a:spcBef>
-              <a:buNone/>
-            </a:pPr>
-            <a:r>
-              <a:rPr lang="en-US" sz="1800" dirty="0">
-                <a:latin typeface="Consolas" panose="020B0609020204030204" pitchFamily="49" charset="0"/>
-                <a:cs typeface="Consolas" panose="020B0609020204030204" pitchFamily="49" charset="0"/>
-              </a:rPr>
-              <a:t>activation = '</a:t>
-            </a:r>
-            <a:r>
-              <a:rPr lang="en-US" sz="1800" dirty="0" err="1">
-                <a:latin typeface="Consolas" panose="020B0609020204030204" pitchFamily="49" charset="0"/>
-                <a:cs typeface="Consolas" panose="020B0609020204030204" pitchFamily="49" charset="0"/>
-              </a:rPr>
-              <a:t>relu</a:t>
-            </a:r>
-            <a:r>
-              <a:rPr lang="en-US" sz="1800" dirty="0">
-                <a:latin typeface="Consolas" panose="020B0609020204030204" pitchFamily="49" charset="0"/>
-                <a:cs typeface="Consolas" panose="020B0609020204030204" pitchFamily="49" charset="0"/>
-              </a:rPr>
-              <a:t>’</a:t>
-            </a:r>
-          </a:p>
-          <a:p>
-            <a:pPr marL="0" indent="0">
-              <a:spcBef>
-                <a:spcPts val="0"/>
-              </a:spcBef>
-              <a:buNone/>
-            </a:pPr>
-            <a:r>
-              <a:rPr lang="en-US" sz="1800" dirty="0" err="1">
-                <a:latin typeface="Consolas" panose="020B0609020204030204" pitchFamily="49" charset="0"/>
-                <a:cs typeface="Consolas" panose="020B0609020204030204" pitchFamily="49" charset="0"/>
-              </a:rPr>
-              <a:t>out_activation</a:t>
-            </a:r>
-            <a:r>
-              <a:rPr lang="en-US" sz="1800" dirty="0">
-                <a:latin typeface="Consolas" panose="020B0609020204030204" pitchFamily="49" charset="0"/>
-                <a:cs typeface="Consolas" panose="020B0609020204030204" pitchFamily="49" charset="0"/>
-              </a:rPr>
-              <a:t> = '</a:t>
-            </a:r>
-            <a:r>
-              <a:rPr lang="en-US" sz="1800" dirty="0" err="1">
-                <a:latin typeface="Consolas" panose="020B0609020204030204" pitchFamily="49" charset="0"/>
-                <a:cs typeface="Consolas" panose="020B0609020204030204" pitchFamily="49" charset="0"/>
-              </a:rPr>
-              <a:t>softmax</a:t>
-            </a:r>
-            <a:r>
-              <a:rPr lang="en-US" sz="1800" dirty="0">
-                <a:latin typeface="Consolas" panose="020B0609020204030204" pitchFamily="49" charset="0"/>
-                <a:cs typeface="Consolas" panose="020B0609020204030204" pitchFamily="49" charset="0"/>
-              </a:rPr>
-              <a:t>’</a:t>
-            </a:r>
-          </a:p>
-          <a:p>
-            <a:pPr marL="0" indent="0">
-              <a:spcBef>
-                <a:spcPts val="0"/>
-              </a:spcBef>
-              <a:buNone/>
-            </a:pPr>
-            <a:r>
-              <a:rPr lang="en-US" sz="1800" dirty="0">
-                <a:latin typeface="Consolas" panose="020B0609020204030204" pitchFamily="49" charset="0"/>
-                <a:cs typeface="Consolas" panose="020B0609020204030204" pitchFamily="49" charset="0"/>
-              </a:rPr>
-              <a:t>loss = '</a:t>
-            </a:r>
-            <a:r>
-              <a:rPr lang="en-US" sz="1800" dirty="0" err="1">
-                <a:latin typeface="Consolas" panose="020B0609020204030204" pitchFamily="49" charset="0"/>
-                <a:cs typeface="Consolas" panose="020B0609020204030204" pitchFamily="49" charset="0"/>
-              </a:rPr>
-              <a:t>categorical_crossentropy</a:t>
-            </a:r>
-            <a:r>
-              <a:rPr lang="en-US" sz="1800" dirty="0">
-                <a:latin typeface="Consolas" panose="020B0609020204030204" pitchFamily="49" charset="0"/>
-                <a:cs typeface="Consolas" panose="020B0609020204030204" pitchFamily="49" charset="0"/>
-              </a:rPr>
-              <a:t>’</a:t>
-            </a:r>
-          </a:p>
-          <a:p>
-            <a:pPr marL="0" indent="0">
-              <a:spcBef>
-                <a:spcPts val="0"/>
-              </a:spcBef>
-              <a:buNone/>
-            </a:pPr>
-            <a:r>
-              <a:rPr lang="en-US" sz="1800" dirty="0">
-                <a:latin typeface="Consolas" panose="020B0609020204030204" pitchFamily="49" charset="0"/>
-                <a:cs typeface="Consolas" panose="020B0609020204030204" pitchFamily="49" charset="0"/>
-              </a:rPr>
-              <a:t>optimizer = '</a:t>
-            </a:r>
-            <a:r>
-              <a:rPr lang="en-US" sz="1800" dirty="0" err="1">
-                <a:latin typeface="Consolas" panose="020B0609020204030204" pitchFamily="49" charset="0"/>
-                <a:cs typeface="Consolas" panose="020B0609020204030204" pitchFamily="49" charset="0"/>
-              </a:rPr>
-              <a:t>sgd</a:t>
-            </a:r>
-            <a:r>
-              <a:rPr lang="en-US" sz="1800" dirty="0">
-                <a:latin typeface="Consolas" panose="020B0609020204030204" pitchFamily="49" charset="0"/>
-                <a:cs typeface="Consolas" panose="020B0609020204030204" pitchFamily="49" charset="0"/>
-              </a:rPr>
-              <a:t>’</a:t>
-            </a:r>
-          </a:p>
-          <a:p>
-            <a:pPr marL="0" indent="0">
-              <a:spcBef>
-                <a:spcPts val="0"/>
-              </a:spcBef>
-              <a:buNone/>
-            </a:pPr>
-            <a:r>
-              <a:rPr lang="en-US" sz="1800" dirty="0">
-                <a:latin typeface="Consolas" panose="020B0609020204030204" pitchFamily="49" charset="0"/>
-                <a:cs typeface="Consolas" panose="020B0609020204030204" pitchFamily="49" charset="0"/>
-              </a:rPr>
-              <a:t>metrics = 'accuracy’</a:t>
-            </a:r>
-          </a:p>
-          <a:p>
-            <a:pPr marL="0" indent="0">
-              <a:spcBef>
-                <a:spcPts val="0"/>
-              </a:spcBef>
-              <a:buNone/>
-            </a:pPr>
-            <a:r>
-              <a:rPr lang="en-US" sz="1800" dirty="0" err="1">
-                <a:solidFill>
-                  <a:srgbClr val="FF0000"/>
-                </a:solidFill>
-                <a:latin typeface="Consolas" panose="020B0609020204030204" pitchFamily="49" charset="0"/>
-                <a:cs typeface="Consolas" panose="020B0609020204030204" pitchFamily="49" charset="0"/>
-              </a:rPr>
-              <a:t>n_fold</a:t>
-            </a:r>
-            <a:r>
-              <a:rPr lang="en-US" sz="1800" dirty="0">
-                <a:solidFill>
-                  <a:srgbClr val="FF0000"/>
-                </a:solidFill>
-                <a:latin typeface="Consolas" panose="020B0609020204030204" pitchFamily="49" charset="0"/>
-                <a:cs typeface="Consolas" panose="020B0609020204030204" pitchFamily="49" charset="0"/>
-              </a:rPr>
-              <a:t> = 1</a:t>
-            </a:r>
-          </a:p>
-          <a:p>
-            <a:pPr marL="0" indent="0">
-              <a:spcBef>
-                <a:spcPts val="0"/>
-              </a:spcBef>
-              <a:buNone/>
-            </a:pPr>
-            <a:r>
-              <a:rPr lang="en-US" sz="1800" dirty="0" err="1">
-                <a:solidFill>
-                  <a:srgbClr val="FF0000"/>
-                </a:solidFill>
-                <a:latin typeface="Consolas" panose="020B0609020204030204" pitchFamily="49" charset="0"/>
-                <a:cs typeface="Consolas" panose="020B0609020204030204" pitchFamily="49" charset="0"/>
-              </a:rPr>
-              <a:t>shared_nnet_spec</a:t>
-            </a:r>
-            <a:r>
-              <a:rPr lang="en-US" sz="1800" dirty="0">
-                <a:solidFill>
-                  <a:srgbClr val="FF0000"/>
-                </a:solidFill>
-                <a:latin typeface="Consolas" panose="020B0609020204030204" pitchFamily="49" charset="0"/>
-                <a:cs typeface="Consolas" panose="020B0609020204030204" pitchFamily="49" charset="0"/>
-              </a:rPr>
-              <a:t> = '1200’</a:t>
-            </a:r>
-          </a:p>
-          <a:p>
-            <a:pPr marL="0" indent="0">
-              <a:spcBef>
-                <a:spcPts val="0"/>
-              </a:spcBef>
-              <a:buNone/>
-            </a:pPr>
-            <a:r>
-              <a:rPr lang="en-US" sz="1800" dirty="0" err="1">
-                <a:solidFill>
-                  <a:srgbClr val="FF0000"/>
-                </a:solidFill>
-                <a:latin typeface="Consolas" panose="020B0609020204030204" pitchFamily="49" charset="0"/>
-                <a:cs typeface="Consolas" panose="020B0609020204030204" pitchFamily="49" charset="0"/>
-              </a:rPr>
-              <a:t>ind_nnet_spec</a:t>
-            </a:r>
-            <a:r>
-              <a:rPr lang="en-US" sz="1800" dirty="0">
-                <a:solidFill>
-                  <a:srgbClr val="FF0000"/>
-                </a:solidFill>
-                <a:latin typeface="Consolas" panose="020B0609020204030204" pitchFamily="49" charset="0"/>
-                <a:cs typeface="Consolas" panose="020B0609020204030204" pitchFamily="49" charset="0"/>
-              </a:rPr>
-              <a:t> = '1200, 1200:1200, 1200:1200, 1200’</a:t>
-            </a:r>
-          </a:p>
-          <a:p>
-            <a:pPr marL="0" indent="0">
-              <a:spcBef>
-                <a:spcPts val="0"/>
-              </a:spcBef>
-              <a:buNone/>
-            </a:pPr>
-            <a:r>
-              <a:rPr lang="en-US" sz="1800" dirty="0" err="1">
-                <a:solidFill>
-                  <a:srgbClr val="FF0000"/>
-                </a:solidFill>
-                <a:latin typeface="Consolas" panose="020B0609020204030204" pitchFamily="49" charset="0"/>
-                <a:cs typeface="Consolas" panose="020B0609020204030204" pitchFamily="49" charset="0"/>
-              </a:rPr>
-              <a:t>feature_names</a:t>
-            </a:r>
-            <a:r>
-              <a:rPr lang="en-US" sz="1800" dirty="0">
-                <a:solidFill>
-                  <a:srgbClr val="FF0000"/>
-                </a:solidFill>
-                <a:latin typeface="Consolas" panose="020B0609020204030204" pitchFamily="49" charset="0"/>
-                <a:cs typeface="Consolas" panose="020B0609020204030204" pitchFamily="49" charset="0"/>
-              </a:rPr>
-              <a:t> = 'Primary </a:t>
-            </a:r>
-            <a:r>
-              <a:rPr lang="en-US" sz="1800" dirty="0" err="1">
-                <a:solidFill>
-                  <a:srgbClr val="FF0000"/>
-                </a:solidFill>
-                <a:latin typeface="Consolas" panose="020B0609020204030204" pitchFamily="49" charset="0"/>
-                <a:cs typeface="Consolas" panose="020B0609020204030204" pitchFamily="49" charset="0"/>
-              </a:rPr>
-              <a:t>site:Tumor</a:t>
-            </a:r>
-            <a:r>
-              <a:rPr lang="en-US" sz="1800" dirty="0">
-                <a:solidFill>
-                  <a:srgbClr val="FF0000"/>
-                </a:solidFill>
-                <a:latin typeface="Consolas" panose="020B0609020204030204" pitchFamily="49" charset="0"/>
-                <a:cs typeface="Consolas" panose="020B0609020204030204" pitchFamily="49" charset="0"/>
-              </a:rPr>
-              <a:t> </a:t>
-            </a:r>
-            <a:r>
-              <a:rPr lang="en-US" sz="1800" dirty="0" err="1">
-                <a:solidFill>
-                  <a:srgbClr val="FF0000"/>
-                </a:solidFill>
-                <a:latin typeface="Consolas" panose="020B0609020204030204" pitchFamily="49" charset="0"/>
-                <a:cs typeface="Consolas" panose="020B0609020204030204" pitchFamily="49" charset="0"/>
-              </a:rPr>
-              <a:t>laterality:Histological</a:t>
-            </a:r>
-            <a:r>
-              <a:rPr lang="en-US" sz="1800" dirty="0">
-                <a:solidFill>
-                  <a:srgbClr val="FF0000"/>
-                </a:solidFill>
-                <a:latin typeface="Consolas" panose="020B0609020204030204" pitchFamily="49" charset="0"/>
-                <a:cs typeface="Consolas" panose="020B0609020204030204" pitchFamily="49" charset="0"/>
-              </a:rPr>
-              <a:t> grade’</a:t>
-            </a:r>
-          </a:p>
-          <a:p>
-            <a:pPr marL="0" indent="0">
-              <a:spcBef>
-                <a:spcPts val="0"/>
-              </a:spcBef>
-              <a:buNone/>
-            </a:pPr>
-            <a:r>
-              <a:rPr lang="en-US" sz="1800" dirty="0">
-                <a:latin typeface="Consolas" panose="020B0609020204030204" pitchFamily="49" charset="0"/>
-                <a:cs typeface="Consolas" panose="020B0609020204030204" pitchFamily="49" charset="0"/>
-              </a:rPr>
-              <a:t>timeout =1800</a:t>
-            </a:r>
-          </a:p>
-          <a:p>
-            <a:pPr marL="0" indent="0">
-              <a:spcBef>
-                <a:spcPts val="0"/>
-              </a:spcBef>
-              <a:buNone/>
-            </a:pPr>
-            <a:r>
-              <a:rPr lang="en-US" sz="1800" dirty="0">
-                <a:latin typeface="Consolas" panose="020B0609020204030204" pitchFamily="49" charset="0"/>
-                <a:cs typeface="Consolas" panose="020B0609020204030204" pitchFamily="49" charset="0"/>
-              </a:rPr>
-              <a:t>scaling = 'none’</a:t>
-            </a:r>
-          </a:p>
-          <a:p>
-            <a:pPr marL="0" indent="0">
-              <a:spcBef>
-                <a:spcPts val="0"/>
-              </a:spcBef>
-              <a:buNone/>
-            </a:pPr>
-            <a:r>
-              <a:rPr lang="en-US" sz="1800" dirty="0" err="1">
-                <a:latin typeface="Consolas" panose="020B0609020204030204" pitchFamily="49" charset="0"/>
-                <a:cs typeface="Consolas" panose="020B0609020204030204" pitchFamily="49" charset="0"/>
-              </a:rPr>
-              <a:t>output_dir</a:t>
-            </a:r>
-            <a:r>
-              <a:rPr lang="en-US" sz="1800" dirty="0">
-                <a:latin typeface="Consolas" panose="020B0609020204030204" pitchFamily="49" charset="0"/>
-                <a:cs typeface="Consolas" panose="020B0609020204030204" pitchFamily="49" charset="0"/>
-              </a:rPr>
-              <a:t> = '.’</a:t>
-            </a:r>
-          </a:p>
-          <a:p>
-            <a:pPr marL="0" indent="0">
-              <a:spcBef>
-                <a:spcPts val="0"/>
-              </a:spcBef>
-              <a:buNone/>
-            </a:pPr>
-            <a:r>
-              <a:rPr lang="en-US" sz="1800" dirty="0">
-                <a:latin typeface="Consolas" panose="020B0609020204030204" pitchFamily="49" charset="0"/>
-                <a:cs typeface="Consolas" panose="020B0609020204030204" pitchFamily="49" charset="0"/>
-              </a:rPr>
-              <a:t>initialization='</a:t>
-            </a:r>
-            <a:r>
-              <a:rPr lang="en-US" sz="1800" dirty="0" err="1">
-                <a:latin typeface="Consolas" panose="020B0609020204030204" pitchFamily="49" charset="0"/>
-                <a:cs typeface="Consolas" panose="020B0609020204030204" pitchFamily="49" charset="0"/>
-              </a:rPr>
-              <a:t>glorot_uniform</a:t>
-            </a:r>
-            <a:r>
-              <a:rPr lang="en-US" sz="1800" dirty="0">
-                <a:latin typeface="Consolas" panose="020B0609020204030204" pitchFamily="49" charset="0"/>
-                <a:cs typeface="Consolas" panose="020B0609020204030204" pitchFamily="49" charset="0"/>
-              </a:rPr>
-              <a:t>’</a:t>
-            </a:r>
-          </a:p>
-        </p:txBody>
-      </p:sp>
-    </p:spTree>
-    <p:extLst>
-      <p:ext uri="{BB962C8B-B14F-4D97-AF65-F5344CB8AC3E}">
-        <p14:creationId xmlns:p14="http://schemas.microsoft.com/office/powerpoint/2010/main" val="1431479567"/>
-      </p:ext>
-    </p:extLst>
-  </p:cSld>
-  <p:clrMapOvr>
-    <a:masterClrMapping/>
-  </p:clrMapOvr>
-</p:sld>
-</file>
-
-<file path=ppt/slides/slide16.xml><?xml version="1.0" encoding="utf-8"?>
-<p:sld xmlns:a="http://schemas.openxmlformats.org/drawingml/2006/main" xmlns:r="http://schemas.openxmlformats.org/officeDocument/2006/relationships" xmlns:p="http://schemas.openxmlformats.org/presentationml/2006/main">
-  <p:cSld>
-    <p:spTree>
-      <p:nvGrpSpPr>
-        <p:cNvPr id="1" name=""/>
-        <p:cNvGrpSpPr/>
-        <p:nvPr/>
-      </p:nvGrpSpPr>
-      <p:grpSpPr>
-        <a:xfrm>
-          <a:off x="0" y="0"/>
-          <a:ext cx="0" cy="0"/>
-          <a:chOff x="0" y="0"/>
-          <a:chExt cx="0" cy="0"/>
-        </a:xfrm>
-      </p:grpSpPr>
-      <p:sp>
-        <p:nvSpPr>
-          <p:cNvPr id="2" name="Title 1">
-            <a:extLst>
-              <a:ext uri="{FF2B5EF4-FFF2-40B4-BE49-F238E27FC236}">
-                <a16:creationId xmlns:a16="http://schemas.microsoft.com/office/drawing/2014/main" xmlns="" id="{D6866021-8069-E74A-8223-7D3F409767C0}"/>
-              </a:ext>
-            </a:extLst>
-          </p:cNvPr>
-          <p:cNvSpPr>
-            <a:spLocks noGrp="1"/>
-          </p:cNvSpPr>
-          <p:nvPr>
-            <p:ph type="title"/>
-          </p:nvPr>
-        </p:nvSpPr>
-        <p:spPr/>
-        <p:txBody>
-          <a:bodyPr/>
-          <a:lstStyle/>
-          <a:p>
-            <a:r>
-              <a:rPr lang="en-US" dirty="0"/>
-              <a:t>Simple parameter exploration</a:t>
-            </a:r>
-          </a:p>
-        </p:txBody>
-      </p:sp>
-      <p:sp>
-        <p:nvSpPr>
-          <p:cNvPr id="3" name="Content Placeholder 2">
-            <a:extLst>
-              <a:ext uri="{FF2B5EF4-FFF2-40B4-BE49-F238E27FC236}">
-                <a16:creationId xmlns:a16="http://schemas.microsoft.com/office/drawing/2014/main" xmlns="" id="{7AB97621-F1D1-E747-BC88-718C267DCDBB}"/>
-              </a:ext>
-            </a:extLst>
-          </p:cNvPr>
-          <p:cNvSpPr>
-            <a:spLocks noGrp="1"/>
-          </p:cNvSpPr>
-          <p:nvPr>
-            <p:ph idx="1"/>
-          </p:nvPr>
-        </p:nvSpPr>
-        <p:spPr/>
-        <p:txBody>
-          <a:bodyPr/>
-          <a:lstStyle/>
-          <a:p>
-            <a:r>
-              <a:rPr lang="en-US" sz="2400" dirty="0"/>
-              <a:t>Provide a new default model specification</a:t>
-            </a:r>
-          </a:p>
-          <a:p>
-            <a:pPr lvl="1"/>
-            <a:r>
-              <a:rPr lang="en-US" sz="2000" dirty="0">
-                <a:latin typeface="Consolas" panose="020B0609020204030204" pitchFamily="49" charset="0"/>
-                <a:cs typeface="Consolas" panose="020B0609020204030204" pitchFamily="49" charset="0"/>
-              </a:rPr>
-              <a:t>‘--</a:t>
-            </a:r>
-            <a:r>
-              <a:rPr lang="en-US" sz="2000" dirty="0" err="1">
-                <a:latin typeface="Consolas" panose="020B0609020204030204" pitchFamily="49" charset="0"/>
-                <a:cs typeface="Consolas" panose="020B0609020204030204" pitchFamily="49" charset="0"/>
-              </a:rPr>
-              <a:t>config_file</a:t>
-            </a:r>
-            <a:r>
-              <a:rPr lang="en-US" sz="2000" dirty="0">
-                <a:latin typeface="Consolas" panose="020B0609020204030204" pitchFamily="49" charset="0"/>
-                <a:cs typeface="Consolas" panose="020B0609020204030204" pitchFamily="49" charset="0"/>
-              </a:rPr>
-              <a:t> </a:t>
-            </a:r>
-            <a:r>
-              <a:rPr lang="en-US" sz="2000" dirty="0" err="1">
-                <a:latin typeface="Consolas" panose="020B0609020204030204" pitchFamily="49" charset="0"/>
-                <a:cs typeface="Consolas" panose="020B0609020204030204" pitchFamily="49" charset="0"/>
-              </a:rPr>
-              <a:t>new_default_model.txt</a:t>
-            </a:r>
-            <a:r>
-              <a:rPr lang="en-US" sz="2000" dirty="0">
-                <a:latin typeface="Consolas" panose="020B0609020204030204" pitchFamily="49" charset="0"/>
-                <a:cs typeface="Consolas" panose="020B0609020204030204" pitchFamily="49" charset="0"/>
-              </a:rPr>
-              <a:t>’</a:t>
-            </a:r>
-          </a:p>
-          <a:p>
-            <a:r>
-              <a:rPr lang="en-US" sz="2400" dirty="0"/>
-              <a:t>Overwrite individual parameters in the default model</a:t>
-            </a:r>
-          </a:p>
-          <a:p>
-            <a:pPr lvl="1"/>
-            <a:r>
-              <a:rPr lang="en-US" sz="2000" dirty="0">
-                <a:latin typeface="Consolas" panose="020B0609020204030204" pitchFamily="49" charset="0"/>
-                <a:cs typeface="Consolas" panose="020B0609020204030204" pitchFamily="49" charset="0"/>
-              </a:rPr>
-              <a:t>‘--</a:t>
-            </a:r>
-            <a:r>
-              <a:rPr lang="en-US" sz="2000" dirty="0" err="1">
-                <a:latin typeface="Consolas" panose="020B0609020204030204" pitchFamily="49" charset="0"/>
-                <a:cs typeface="Consolas" panose="020B0609020204030204" pitchFamily="49" charset="0"/>
-              </a:rPr>
-              <a:t>learning_rate</a:t>
-            </a:r>
-            <a:r>
-              <a:rPr lang="en-US" sz="2000" dirty="0">
-                <a:latin typeface="Consolas" panose="020B0609020204030204" pitchFamily="49" charset="0"/>
-                <a:cs typeface="Consolas" panose="020B0609020204030204" pitchFamily="49" charset="0"/>
-              </a:rPr>
-              <a:t> 0.1 –drop 0.1’</a:t>
-            </a:r>
-          </a:p>
-          <a:p>
-            <a:r>
-              <a:rPr lang="en-US" sz="2400" dirty="0"/>
-              <a:t>Provides an easy way to perform individual experiments to probe the hyperparameter space</a:t>
-            </a:r>
-          </a:p>
-          <a:p>
-            <a:pPr marL="346075" lvl="1" indent="0">
-              <a:buNone/>
-            </a:pPr>
-            <a:r>
-              <a:rPr lang="en-US" sz="2000" dirty="0">
-                <a:latin typeface="Consolas" panose="020B0609020204030204" pitchFamily="49" charset="0"/>
-                <a:cs typeface="Consolas" panose="020B0609020204030204" pitchFamily="49" charset="0"/>
-              </a:rPr>
-              <a:t>python </a:t>
-            </a:r>
-            <a:r>
-              <a:rPr lang="en-US" sz="2000" dirty="0" err="1">
-                <a:latin typeface="Consolas" panose="020B0609020204030204" pitchFamily="49" charset="0"/>
-                <a:cs typeface="Consolas" panose="020B0609020204030204" pitchFamily="49" charset="0"/>
-              </a:rPr>
-              <a:t>myDNN.py</a:t>
-            </a:r>
-            <a:r>
-              <a:rPr lang="en-US" sz="2000" dirty="0">
-                <a:latin typeface="Consolas" panose="020B0609020204030204" pitchFamily="49" charset="0"/>
-                <a:cs typeface="Consolas" panose="020B0609020204030204" pitchFamily="49" charset="0"/>
-              </a:rPr>
-              <a:t> –</a:t>
-            </a:r>
-            <a:r>
-              <a:rPr lang="en-US" sz="2000" dirty="0" err="1">
-                <a:latin typeface="Consolas" panose="020B0609020204030204" pitchFamily="49" charset="0"/>
-                <a:cs typeface="Consolas" panose="020B0609020204030204" pitchFamily="49" charset="0"/>
-              </a:rPr>
-              <a:t>learning_rate</a:t>
-            </a:r>
-            <a:r>
-              <a:rPr lang="en-US" sz="2000" dirty="0">
-                <a:latin typeface="Consolas" panose="020B0609020204030204" pitchFamily="49" charset="0"/>
-                <a:cs typeface="Consolas" panose="020B0609020204030204" pitchFamily="49" charset="0"/>
-              </a:rPr>
-              <a:t> 0.01 –</a:t>
-            </a:r>
-            <a:r>
-              <a:rPr lang="en-US" sz="2000" dirty="0" err="1">
-                <a:latin typeface="Consolas" panose="020B0609020204030204" pitchFamily="49" charset="0"/>
-                <a:cs typeface="Consolas" panose="020B0609020204030204" pitchFamily="49" charset="0"/>
-              </a:rPr>
-              <a:t>run_id</a:t>
-            </a:r>
-            <a:r>
-              <a:rPr lang="en-US" sz="2000" dirty="0">
-                <a:latin typeface="Consolas" panose="020B0609020204030204" pitchFamily="49" charset="0"/>
-                <a:cs typeface="Consolas" panose="020B0609020204030204" pitchFamily="49" charset="0"/>
-              </a:rPr>
-              <a:t> “run1”</a:t>
-            </a:r>
-          </a:p>
-          <a:p>
-            <a:pPr marL="346075" lvl="1" indent="0">
-              <a:buNone/>
-            </a:pPr>
-            <a:r>
-              <a:rPr lang="en-US" sz="2000" dirty="0">
-                <a:latin typeface="Consolas" panose="020B0609020204030204" pitchFamily="49" charset="0"/>
-                <a:cs typeface="Consolas" panose="020B0609020204030204" pitchFamily="49" charset="0"/>
-              </a:rPr>
-              <a:t>python </a:t>
-            </a:r>
-            <a:r>
-              <a:rPr lang="en-US" sz="2000" dirty="0" err="1">
-                <a:latin typeface="Consolas" panose="020B0609020204030204" pitchFamily="49" charset="0"/>
-                <a:cs typeface="Consolas" panose="020B0609020204030204" pitchFamily="49" charset="0"/>
-              </a:rPr>
-              <a:t>myDNN.py</a:t>
-            </a:r>
-            <a:r>
-              <a:rPr lang="en-US" sz="2000" dirty="0">
-                <a:latin typeface="Consolas" panose="020B0609020204030204" pitchFamily="49" charset="0"/>
-                <a:cs typeface="Consolas" panose="020B0609020204030204" pitchFamily="49" charset="0"/>
-              </a:rPr>
-              <a:t> –</a:t>
-            </a:r>
-            <a:r>
-              <a:rPr lang="en-US" sz="2000" dirty="0" err="1">
-                <a:latin typeface="Consolas" panose="020B0609020204030204" pitchFamily="49" charset="0"/>
-                <a:cs typeface="Consolas" panose="020B0609020204030204" pitchFamily="49" charset="0"/>
-              </a:rPr>
-              <a:t>learning_rate</a:t>
-            </a:r>
-            <a:r>
-              <a:rPr lang="en-US" sz="2000" dirty="0">
-                <a:latin typeface="Consolas" panose="020B0609020204030204" pitchFamily="49" charset="0"/>
-                <a:cs typeface="Consolas" panose="020B0609020204030204" pitchFamily="49" charset="0"/>
-              </a:rPr>
-              <a:t> 0.02 –</a:t>
-            </a:r>
-            <a:r>
-              <a:rPr lang="en-US" sz="2000" dirty="0" err="1">
-                <a:latin typeface="Consolas" panose="020B0609020204030204" pitchFamily="49" charset="0"/>
-                <a:cs typeface="Consolas" panose="020B0609020204030204" pitchFamily="49" charset="0"/>
-              </a:rPr>
-              <a:t>run_id</a:t>
-            </a:r>
-            <a:r>
-              <a:rPr lang="en-US" sz="2000" dirty="0">
-                <a:latin typeface="Consolas" panose="020B0609020204030204" pitchFamily="49" charset="0"/>
-                <a:cs typeface="Consolas" panose="020B0609020204030204" pitchFamily="49" charset="0"/>
-              </a:rPr>
-              <a:t> “run2”</a:t>
-            </a:r>
-          </a:p>
-          <a:p>
-            <a:r>
-              <a:rPr lang="en-US" sz="2400" dirty="0"/>
-              <a:t>Provides the pathway for automated sweeps of hyperparameters</a:t>
-            </a:r>
-          </a:p>
-          <a:p>
-            <a:pPr lvl="1"/>
-            <a:r>
-              <a:rPr lang="en-US" sz="2000" dirty="0">
-                <a:sym typeface="Wingdings" pitchFamily="2" charset="2"/>
-              </a:rPr>
-              <a:t> </a:t>
-            </a:r>
-            <a:r>
-              <a:rPr lang="en-US" sz="2000" dirty="0"/>
-              <a:t>Supervisor workflows</a:t>
-            </a:r>
-          </a:p>
-          <a:p>
-            <a:pPr marL="0" indent="0">
-              <a:buNone/>
-            </a:pPr>
-            <a:endParaRPr lang="en-US" sz="2400" dirty="0"/>
-          </a:p>
-        </p:txBody>
-      </p:sp>
-    </p:spTree>
-    <p:extLst>
-      <p:ext uri="{BB962C8B-B14F-4D97-AF65-F5344CB8AC3E}">
-        <p14:creationId xmlns:p14="http://schemas.microsoft.com/office/powerpoint/2010/main" val="1808550547"/>
-      </p:ext>
-    </p:extLst>
-  </p:cSld>
-  <p:clrMapOvr>
-    <a:masterClrMapping/>
-  </p:clrMapOvr>
-</p:sld>
-</file>
-
-<file path=ppt/slides/slide17.xml><?xml version="1.0" encoding="utf-8"?>
-<p:sld xmlns:a="http://schemas.openxmlformats.org/drawingml/2006/main" xmlns:r="http://schemas.openxmlformats.org/officeDocument/2006/relationships" xmlns:p="http://schemas.openxmlformats.org/presentationml/2006/main">
-  <p:cSld>
-    <p:spTree>
-      <p:nvGrpSpPr>
-        <p:cNvPr id="1" name=""/>
-        <p:cNvGrpSpPr/>
-        <p:nvPr/>
-      </p:nvGrpSpPr>
-      <p:grpSpPr>
-        <a:xfrm>
-          <a:off x="0" y="0"/>
-          <a:ext cx="0" cy="0"/>
-          <a:chOff x="0" y="0"/>
-          <a:chExt cx="0" cy="0"/>
-        </a:xfrm>
-      </p:grpSpPr>
-      <p:sp>
-        <p:nvSpPr>
-          <p:cNvPr id="4" name="Title 3"/>
-          <p:cNvSpPr>
-            <a:spLocks noGrp="1"/>
-          </p:cNvSpPr>
-          <p:nvPr>
-            <p:ph type="ctrTitle"/>
-          </p:nvPr>
-        </p:nvSpPr>
-        <p:spPr/>
-        <p:txBody>
-          <a:bodyPr/>
-          <a:lstStyle/>
-          <a:p>
-            <a:r>
-              <a:rPr lang="en-US" dirty="0"/>
-              <a:t>Acknowledgments</a:t>
-            </a:r>
-            <a:endParaRPr lang="en-US" i="1" dirty="0"/>
-          </a:p>
-        </p:txBody>
-      </p:sp>
-      <p:sp>
-        <p:nvSpPr>
-          <p:cNvPr id="5" name="Subtitle 4"/>
-          <p:cNvSpPr>
-            <a:spLocks noGrp="1"/>
-          </p:cNvSpPr>
-          <p:nvPr>
-            <p:ph type="subTitle" idx="1"/>
-          </p:nvPr>
-        </p:nvSpPr>
-        <p:spPr>
-          <a:xfrm>
-            <a:off x="901357" y="1186533"/>
-            <a:ext cx="10178845" cy="1718856"/>
-          </a:xfrm>
-        </p:spPr>
-        <p:txBody>
-          <a:bodyPr/>
-          <a:lstStyle/>
-          <a:p>
-            <a:r>
-              <a:rPr lang="en-US" i="1" dirty="0"/>
-              <a:t>This research was supported by the </a:t>
-            </a:r>
-            <a:r>
-              <a:rPr lang="en-US" i="1" dirty="0" err="1"/>
-              <a:t>Exascale</a:t>
-            </a:r>
-            <a:r>
-              <a:rPr lang="en-US" i="1" dirty="0"/>
-              <a:t> Computing Project (ECP), Project Number: 17-SC-20-SC, a collaborative effort of two DOE organizations - the Office of Science and the National Nuclear Security Administration, responsible for the planning and preparation of a capable </a:t>
-            </a:r>
-            <a:r>
-              <a:rPr lang="en-US" i="1" dirty="0" err="1"/>
-              <a:t>exascale</a:t>
-            </a:r>
-            <a:r>
-              <a:rPr lang="en-US" i="1" dirty="0"/>
-              <a:t> ecosystem, including software, applications, hardware, advanced system engineering and early testbed platforms, to support the nation's </a:t>
-            </a:r>
-            <a:r>
-              <a:rPr lang="en-US" i="1" dirty="0" err="1"/>
-              <a:t>exascale</a:t>
-            </a:r>
-            <a:r>
-              <a:rPr lang="en-US" i="1" dirty="0"/>
-              <a:t> computing imperative.</a:t>
-            </a:r>
-            <a:endParaRPr lang="en-US" dirty="0"/>
-          </a:p>
-        </p:txBody>
-      </p:sp>
-      <p:sp>
-        <p:nvSpPr>
-          <p:cNvPr id="3" name="Rectangle 2"/>
-          <p:cNvSpPr/>
-          <p:nvPr/>
-        </p:nvSpPr>
-        <p:spPr>
-          <a:xfrm>
-            <a:off x="8584134" y="6095144"/>
-            <a:ext cx="2496068" cy="313932"/>
-          </a:xfrm>
-          <a:prstGeom prst="rect">
-            <a:avLst/>
-          </a:prstGeom>
-        </p:spPr>
-        <p:txBody>
-          <a:bodyPr wrap="none">
-            <a:spAutoFit/>
-          </a:bodyPr>
-          <a:lstStyle/>
-          <a:p>
-            <a:pPr algn="ctr">
-              <a:lnSpc>
-                <a:spcPct val="90000"/>
-              </a:lnSpc>
-            </a:pPr>
-            <a:r>
-              <a:rPr lang="en-US" sz="1600" dirty="0">
-                <a:solidFill>
-                  <a:schemeClr val="accent4"/>
-                </a:solidFill>
-                <a:hlinkClick r:id="rId2"/>
-              </a:rPr>
-              <a:t>www.ExascaleProject.org</a:t>
-            </a:r>
-            <a:endParaRPr lang="en-US" sz="1600" dirty="0">
-              <a:solidFill>
-                <a:schemeClr val="accent4"/>
-              </a:solidFill>
-            </a:endParaRPr>
-          </a:p>
-        </p:txBody>
-      </p:sp>
-    </p:spTree>
-    <p:extLst>
-      <p:ext uri="{BB962C8B-B14F-4D97-AF65-F5344CB8AC3E}">
-        <p14:creationId xmlns:p14="http://schemas.microsoft.com/office/powerpoint/2010/main" val="1264112038"/>
-      </p:ext>
-    </p:extLst>
-  </p:cSld>
-  <p:clrMapOvr>
-    <a:masterClrMapping/>
-  </p:clrMapOvr>
-</p:sld>
-</file>
-
-<file path=ppt/slides/slide2.xml><?xml version="1.0" encoding="utf-8"?>
-<p:sld xmlns:a="http://schemas.openxmlformats.org/drawingml/2006/main" xmlns:r="http://schemas.openxmlformats.org/officeDocument/2006/relationships" xmlns:p="http://schemas.openxmlformats.org/presentationml/2006/main">
-  <p:cSld>
-    <p:spTree>
-      <p:nvGrpSpPr>
-        <p:cNvPr id="1" name=""/>
-        <p:cNvGrpSpPr/>
-        <p:nvPr/>
-      </p:nvGrpSpPr>
-      <p:grpSpPr>
-        <a:xfrm>
-          <a:off x="0" y="0"/>
-          <a:ext cx="0" cy="0"/>
-          <a:chOff x="0" y="0"/>
-          <a:chExt cx="0" cy="0"/>
-        </a:xfrm>
-      </p:grpSpPr>
-      <p:sp>
-        <p:nvSpPr>
-          <p:cNvPr id="2" name="Title 1">
-            <a:extLst>
-              <a:ext uri="{FF2B5EF4-FFF2-40B4-BE49-F238E27FC236}">
-                <a16:creationId xmlns:a16="http://schemas.microsoft.com/office/drawing/2014/main" xmlns="" id="{B0E33EF4-7CD6-D546-972C-5F24984D6602}"/>
-              </a:ext>
-            </a:extLst>
-          </p:cNvPr>
-          <p:cNvSpPr>
-            <a:spLocks noGrp="1"/>
-          </p:cNvSpPr>
-          <p:nvPr>
-            <p:ph type="title"/>
-          </p:nvPr>
-        </p:nvSpPr>
-        <p:spPr/>
-        <p:txBody>
-          <a:bodyPr/>
-          <a:lstStyle/>
-          <a:p>
-            <a:r>
-              <a:rPr lang="en-US" dirty="0"/>
-              <a:t>Talk Outline</a:t>
-            </a:r>
-          </a:p>
-        </p:txBody>
-      </p:sp>
-      <p:sp>
-        <p:nvSpPr>
-          <p:cNvPr id="3" name="Content Placeholder 2">
-            <a:extLst>
-              <a:ext uri="{FF2B5EF4-FFF2-40B4-BE49-F238E27FC236}">
-                <a16:creationId xmlns:a16="http://schemas.microsoft.com/office/drawing/2014/main" xmlns="" id="{79DDA83B-D33A-1340-A2A9-75273506FE76}"/>
-              </a:ext>
-            </a:extLst>
-          </p:cNvPr>
-          <p:cNvSpPr>
-            <a:spLocks noGrp="1"/>
-          </p:cNvSpPr>
-          <p:nvPr>
-            <p:ph idx="1"/>
-          </p:nvPr>
-        </p:nvSpPr>
-        <p:spPr/>
-        <p:txBody>
-          <a:bodyPr/>
-          <a:lstStyle/>
-          <a:p>
-            <a:r>
-              <a:rPr lang="en-US" dirty="0"/>
-              <a:t>Introduction</a:t>
-            </a:r>
-          </a:p>
-          <a:p>
-            <a:r>
-              <a:rPr lang="en-US" dirty="0"/>
-              <a:t>Benefits</a:t>
-            </a:r>
-          </a:p>
-          <a:p>
-            <a:r>
-              <a:rPr lang="en-US" dirty="0"/>
-              <a:t>Library Overview</a:t>
-            </a:r>
-          </a:p>
-          <a:p>
-            <a:r>
-              <a:rPr lang="en-US" dirty="0"/>
-              <a:t>Example Benchmark Workflow</a:t>
-            </a:r>
-          </a:p>
-          <a:p>
-            <a:r>
-              <a:rPr lang="en-US" dirty="0"/>
-              <a:t>Simple Parameter Sweeps</a:t>
-            </a:r>
-          </a:p>
-        </p:txBody>
-      </p:sp>
-    </p:spTree>
-    <p:extLst>
-      <p:ext uri="{BB962C8B-B14F-4D97-AF65-F5344CB8AC3E}">
-        <p14:creationId xmlns:p14="http://schemas.microsoft.com/office/powerpoint/2010/main" val="1014811772"/>
-      </p:ext>
-    </p:extLst>
-  </p:cSld>
-  <p:clrMapOvr>
-    <a:masterClrMapping/>
-  </p:clrMapOvr>
-  <p:timing>
-    <p:tnLst>
-      <p:par>
-        <p:cTn id="1" dur="indefinite" restart="never" nodeType="tmRoot"/>
-      </p:par>
-    </p:tnLst>
-  </p:timing>
-</p:sld>
-</file>
-
-<file path=ppt/slides/slide3.xml><?xml version="1.0" encoding="utf-8"?>
-<p:sld xmlns:a="http://schemas.openxmlformats.org/drawingml/2006/main" xmlns:r="http://schemas.openxmlformats.org/officeDocument/2006/relationships" xmlns:p="http://schemas.openxmlformats.org/presentationml/2006/main">
-  <p:cSld>
-    <p:spTree>
-      <p:nvGrpSpPr>
-        <p:cNvPr id="1" name=""/>
-        <p:cNvGrpSpPr/>
-        <p:nvPr/>
-      </p:nvGrpSpPr>
-      <p:grpSpPr>
-        <a:xfrm>
-          <a:off x="0" y="0"/>
-          <a:ext cx="0" cy="0"/>
-          <a:chOff x="0" y="0"/>
-          <a:chExt cx="0" cy="0"/>
-        </a:xfrm>
-      </p:grpSpPr>
-      <p:sp>
-        <p:nvSpPr>
-          <p:cNvPr id="2" name="Title 1">
-            <a:extLst>
-              <a:ext uri="{FF2B5EF4-FFF2-40B4-BE49-F238E27FC236}">
-                <a16:creationId xmlns:a16="http://schemas.microsoft.com/office/drawing/2014/main" xmlns="" id="{D40BF1D8-B53E-6546-9019-F8E98F00E2A7}"/>
-              </a:ext>
-            </a:extLst>
-          </p:cNvPr>
-          <p:cNvSpPr>
-            <a:spLocks noGrp="1"/>
-          </p:cNvSpPr>
-          <p:nvPr>
-            <p:ph type="title"/>
-          </p:nvPr>
-        </p:nvSpPr>
-        <p:spPr/>
-        <p:txBody>
-          <a:bodyPr/>
-          <a:lstStyle/>
-          <a:p>
-            <a:r>
-              <a:rPr lang="en-US" dirty="0"/>
-              <a:t>Introduction</a:t>
-            </a:r>
-          </a:p>
-        </p:txBody>
-      </p:sp>
-      <p:sp>
-        <p:nvSpPr>
-          <p:cNvPr id="3" name="Content Placeholder 2">
-            <a:extLst>
-              <a:ext uri="{FF2B5EF4-FFF2-40B4-BE49-F238E27FC236}">
-                <a16:creationId xmlns:a16="http://schemas.microsoft.com/office/drawing/2014/main" xmlns="" id="{C7BD6F05-45FC-BA40-BA22-FD994C306877}"/>
-              </a:ext>
-            </a:extLst>
-          </p:cNvPr>
-          <p:cNvSpPr>
-            <a:spLocks noGrp="1"/>
-          </p:cNvSpPr>
-          <p:nvPr>
-            <p:ph idx="1"/>
-          </p:nvPr>
-        </p:nvSpPr>
-        <p:spPr/>
-        <p:txBody>
-          <a:bodyPr/>
-          <a:lstStyle/>
-          <a:p>
-            <a:r>
-              <a:rPr lang="en-US" dirty="0"/>
-              <a:t>Purpose </a:t>
-            </a:r>
-          </a:p>
-          <a:p>
-            <a:pPr lvl="1"/>
-            <a:r>
-              <a:rPr lang="en-US" dirty="0"/>
-              <a:t>To streamline the writing of CANDLE-compliant codes </a:t>
-            </a:r>
-          </a:p>
-          <a:p>
-            <a:pPr lvl="1"/>
-            <a:r>
-              <a:rPr lang="en-US" dirty="0"/>
-              <a:t>Allow rapid prototyping and exploration of hyperparameters </a:t>
-            </a:r>
-          </a:p>
-          <a:p>
-            <a:pPr lvl="1"/>
-            <a:r>
-              <a:rPr lang="en-US" dirty="0"/>
-              <a:t>Integrate with the Supervisor framework</a:t>
-            </a:r>
-          </a:p>
-          <a:p>
-            <a:pPr lvl="1"/>
-            <a:endParaRPr lang="en-US" dirty="0"/>
-          </a:p>
-          <a:p>
-            <a:r>
-              <a:rPr lang="en-US" dirty="0"/>
-              <a:t>Historical perspective</a:t>
-            </a:r>
-          </a:p>
-          <a:p>
-            <a:pPr lvl="1"/>
-            <a:r>
-              <a:rPr lang="en-US" dirty="0"/>
-              <a:t>Consolidation of frequently used functionality from the Benchmark codes</a:t>
-            </a:r>
-          </a:p>
-          <a:p>
-            <a:pPr lvl="1"/>
-            <a:r>
-              <a:rPr lang="en-US" dirty="0"/>
-              <a:t>Evolving to incorporate new functionality as needed</a:t>
-            </a:r>
-          </a:p>
-          <a:p>
-            <a:pPr lvl="2"/>
-            <a:r>
-              <a:rPr lang="en-US" dirty="0"/>
-              <a:t>Improved usability over time</a:t>
-            </a:r>
-          </a:p>
-        </p:txBody>
-      </p:sp>
-    </p:spTree>
-    <p:extLst>
-      <p:ext uri="{BB962C8B-B14F-4D97-AF65-F5344CB8AC3E}">
-        <p14:creationId xmlns:p14="http://schemas.microsoft.com/office/powerpoint/2010/main" val="2042118168"/>
-      </p:ext>
-    </p:extLst>
-  </p:cSld>
-  <p:clrMapOvr>
-    <a:masterClrMapping/>
-  </p:clrMapOvr>
-  <p:timing>
-    <p:tnLst>
-      <p:par>
-        <p:cTn id="1" dur="indefinite" restart="never" nodeType="tmRoot"/>
-      </p:par>
-    </p:tnLst>
-  </p:timing>
-</p:sld>
-</file>
-
-<file path=ppt/slides/slide4.xml><?xml version="1.0" encoding="utf-8"?>
-<p:sld xmlns:a="http://schemas.openxmlformats.org/drawingml/2006/main" xmlns:r="http://schemas.openxmlformats.org/officeDocument/2006/relationships" xmlns:p="http://schemas.openxmlformats.org/presentationml/2006/main">
-  <p:cSld>
-    <p:spTree>
-      <p:nvGrpSpPr>
-        <p:cNvPr id="1" name=""/>
-        <p:cNvGrpSpPr/>
-        <p:nvPr/>
-      </p:nvGrpSpPr>
-      <p:grpSpPr>
-        <a:xfrm>
-          <a:off x="0" y="0"/>
-          <a:ext cx="0" cy="0"/>
-          <a:chOff x="0" y="0"/>
-          <a:chExt cx="0" cy="0"/>
-        </a:xfrm>
-      </p:grpSpPr>
-      <p:sp>
-        <p:nvSpPr>
-          <p:cNvPr id="2" name="Title 1">
-            <a:extLst>
-              <a:ext uri="{FF2B5EF4-FFF2-40B4-BE49-F238E27FC236}">
-                <a16:creationId xmlns:a16="http://schemas.microsoft.com/office/drawing/2014/main" xmlns="" id="{F74349D5-BF35-AC46-B9F0-7D39B9D980D0}"/>
-              </a:ext>
-            </a:extLst>
-          </p:cNvPr>
-          <p:cNvSpPr>
-            <a:spLocks noGrp="1"/>
-          </p:cNvSpPr>
-          <p:nvPr>
-            <p:ph type="title"/>
-          </p:nvPr>
-        </p:nvSpPr>
-        <p:spPr>
-          <a:xfrm>
-            <a:off x="365760" y="411480"/>
-            <a:ext cx="11375136" cy="510909"/>
-          </a:xfrm>
-        </p:spPr>
-        <p:txBody>
-          <a:bodyPr/>
-          <a:lstStyle/>
-          <a:p>
-            <a:r>
-              <a:rPr lang="en-US" dirty="0"/>
-              <a:t>The CANDLE Environment</a:t>
-            </a:r>
-          </a:p>
-        </p:txBody>
-      </p:sp>
-      <p:pic>
-        <p:nvPicPr>
-          <p:cNvPr id="3" name="Picture 2">
-            <a:extLst>
-              <a:ext uri="{FF2B5EF4-FFF2-40B4-BE49-F238E27FC236}">
-                <a16:creationId xmlns:a16="http://schemas.microsoft.com/office/drawing/2014/main" xmlns="" id="{60060DD4-AFF7-924C-8229-80B432DCB217}"/>
-              </a:ext>
-            </a:extLst>
-          </p:cNvPr>
-          <p:cNvPicPr>
-            <a:picLocks noChangeAspect="1"/>
-          </p:cNvPicPr>
-          <p:nvPr/>
-        </p:nvPicPr>
-        <p:blipFill>
-          <a:blip r:embed="rId2"/>
-          <a:stretch>
-            <a:fillRect/>
-          </a:stretch>
-        </p:blipFill>
-        <p:spPr>
-          <a:xfrm>
-            <a:off x="365759" y="1445937"/>
-            <a:ext cx="10434045" cy="4749943"/>
-          </a:xfrm>
-          <a:prstGeom prst="rect">
-            <a:avLst/>
-          </a:prstGeom>
-        </p:spPr>
-      </p:pic>
-    </p:spTree>
-    <p:extLst>
-      <p:ext uri="{BB962C8B-B14F-4D97-AF65-F5344CB8AC3E}">
-        <p14:creationId xmlns:p14="http://schemas.microsoft.com/office/powerpoint/2010/main" val="3295215075"/>
-      </p:ext>
-    </p:extLst>
-  </p:cSld>
-  <p:clrMapOvr>
-    <a:masterClrMapping/>
-  </p:clrMapOvr>
-</p:sld>
-</file>
-
-<file path=ppt/slides/slide5.xml><?xml version="1.0" encoding="utf-8"?>
-<p:sld xmlns:a="http://schemas.openxmlformats.org/drawingml/2006/main" xmlns:r="http://schemas.openxmlformats.org/officeDocument/2006/relationships" xmlns:p="http://schemas.openxmlformats.org/presentationml/2006/main">
-  <p:cSld>
-    <p:spTree>
-      <p:nvGrpSpPr>
-        <p:cNvPr id="1" name=""/>
-        <p:cNvGrpSpPr/>
-        <p:nvPr/>
-      </p:nvGrpSpPr>
-      <p:grpSpPr>
-        <a:xfrm>
-          <a:off x="0" y="0"/>
-          <a:ext cx="0" cy="0"/>
-          <a:chOff x="0" y="0"/>
-          <a:chExt cx="0" cy="0"/>
-        </a:xfrm>
-      </p:grpSpPr>
-      <p:sp>
-        <p:nvSpPr>
-          <p:cNvPr id="2" name="Title 1">
-            <a:extLst>
-              <a:ext uri="{FF2B5EF4-FFF2-40B4-BE49-F238E27FC236}">
-                <a16:creationId xmlns:a16="http://schemas.microsoft.com/office/drawing/2014/main" xmlns="" id="{4A4F39DE-3728-C44B-AA4C-C454A331B002}"/>
-              </a:ext>
-            </a:extLst>
-          </p:cNvPr>
-          <p:cNvSpPr>
-            <a:spLocks noGrp="1"/>
-          </p:cNvSpPr>
-          <p:nvPr>
-            <p:ph type="title"/>
-          </p:nvPr>
-        </p:nvSpPr>
-        <p:spPr/>
-        <p:txBody>
-          <a:bodyPr/>
-          <a:lstStyle/>
-          <a:p>
-            <a:r>
-              <a:rPr lang="en-US" dirty="0"/>
-              <a:t>Benefits provided by CANDLE</a:t>
-            </a:r>
-          </a:p>
-        </p:txBody>
-      </p:sp>
-      <p:sp>
-        <p:nvSpPr>
-          <p:cNvPr id="3" name="Content Placeholder 2">
-            <a:extLst>
-              <a:ext uri="{FF2B5EF4-FFF2-40B4-BE49-F238E27FC236}">
-                <a16:creationId xmlns:a16="http://schemas.microsoft.com/office/drawing/2014/main" xmlns="" id="{6BC452F9-22A6-484E-8B75-4BC6A9BA17E3}"/>
-              </a:ext>
-            </a:extLst>
-          </p:cNvPr>
-          <p:cNvSpPr>
-            <a:spLocks noGrp="1"/>
-          </p:cNvSpPr>
-          <p:nvPr>
-            <p:ph idx="1"/>
-          </p:nvPr>
-        </p:nvSpPr>
-        <p:spPr/>
-        <p:txBody>
-          <a:bodyPr/>
-          <a:lstStyle/>
-          <a:p>
-            <a:pPr marL="173160" indent="-172440">
-              <a:lnSpc>
-                <a:spcPct val="100000"/>
-              </a:lnSpc>
-              <a:spcBef>
-                <a:spcPts val="601"/>
-              </a:spcBef>
-              <a:buClr>
-                <a:srgbClr val="232425"/>
-              </a:buClr>
-              <a:buFont typeface="Wingdings" charset="2"/>
-              <a:buChar char=""/>
-            </a:pPr>
-            <a:r>
-              <a:rPr lang="en-US" sz="2400" spc="-1" dirty="0">
-                <a:solidFill>
-                  <a:srgbClr val="232425"/>
-                </a:solidFill>
-                <a:latin typeface="Arial"/>
-              </a:rPr>
-              <a:t>Consistent</a:t>
-            </a:r>
-            <a:endParaRPr lang="en-US" sz="2400" spc="-1" dirty="0">
-              <a:latin typeface="Arial"/>
-            </a:endParaRPr>
-          </a:p>
-          <a:p>
-            <a:pPr marL="520560" lvl="1" indent="-235800">
-              <a:lnSpc>
-                <a:spcPct val="100000"/>
-              </a:lnSpc>
-              <a:buClr>
-                <a:srgbClr val="232425"/>
-              </a:buClr>
-              <a:buFont typeface="Arial"/>
-              <a:buChar char="–"/>
-            </a:pPr>
-            <a:r>
-              <a:rPr lang="en-US" sz="2000" spc="-1" dirty="0">
-                <a:solidFill>
-                  <a:srgbClr val="232425"/>
-                </a:solidFill>
-                <a:latin typeface="Arial"/>
-              </a:rPr>
-              <a:t>Standardized network specification with a “</a:t>
-            </a:r>
-            <a:r>
-              <a:rPr lang="en-US" sz="2000" spc="-1" dirty="0" err="1">
-                <a:solidFill>
-                  <a:srgbClr val="232425"/>
-                </a:solidFill>
-                <a:latin typeface="Consolas" panose="020B0609020204030204" pitchFamily="49" charset="0"/>
-                <a:cs typeface="Consolas" panose="020B0609020204030204" pitchFamily="49" charset="0"/>
-              </a:rPr>
-              <a:t>default_model_file</a:t>
-            </a:r>
-            <a:r>
-              <a:rPr lang="en-US" sz="2000" spc="-1" dirty="0">
-                <a:solidFill>
-                  <a:srgbClr val="232425"/>
-                </a:solidFill>
-                <a:latin typeface="Arial"/>
-              </a:rPr>
-              <a:t>”</a:t>
-            </a:r>
-            <a:endParaRPr lang="en-US" sz="2000" spc="-1" dirty="0">
-              <a:latin typeface="Arial"/>
-            </a:endParaRPr>
-          </a:p>
-          <a:p>
-            <a:pPr marL="520560" lvl="1" indent="-235800">
-              <a:lnSpc>
-                <a:spcPct val="100000"/>
-              </a:lnSpc>
-              <a:buClr>
-                <a:srgbClr val="232425"/>
-              </a:buClr>
-              <a:buFont typeface="Arial"/>
-              <a:buChar char="–"/>
-            </a:pPr>
-            <a:r>
-              <a:rPr lang="en-US" sz="2000" spc="-1" dirty="0">
-                <a:solidFill>
-                  <a:srgbClr val="232425"/>
-                </a:solidFill>
-                <a:latin typeface="Arial"/>
-              </a:rPr>
-              <a:t>Standardized command line intercept protocol</a:t>
-            </a:r>
-          </a:p>
-          <a:p>
-            <a:pPr marL="520560" lvl="1" indent="-235800">
-              <a:lnSpc>
-                <a:spcPct val="100000"/>
-              </a:lnSpc>
-              <a:buClr>
-                <a:srgbClr val="232425"/>
-              </a:buClr>
-              <a:buFont typeface="Arial"/>
-              <a:buChar char="–"/>
-            </a:pPr>
-            <a:r>
-              <a:rPr lang="en-US" sz="2000" spc="-1" dirty="0">
-                <a:solidFill>
-                  <a:srgbClr val="232425"/>
-                </a:solidFill>
-                <a:latin typeface="Arial"/>
-              </a:rPr>
-              <a:t>Standardized default values across frameworks</a:t>
-            </a:r>
-          </a:p>
-          <a:p>
-            <a:pPr marL="520560" lvl="1" indent="-235800">
-              <a:lnSpc>
-                <a:spcPct val="100000"/>
-              </a:lnSpc>
-              <a:buClr>
-                <a:srgbClr val="232425"/>
-              </a:buClr>
-              <a:buFont typeface="Arial"/>
-              <a:buChar char="–"/>
-            </a:pPr>
-            <a:r>
-              <a:rPr lang="en-US" sz="2000" spc="-1" dirty="0">
-                <a:solidFill>
-                  <a:srgbClr val="232425"/>
-                </a:solidFill>
-                <a:latin typeface="Arial"/>
-              </a:rPr>
-              <a:t>Ideal for testing the same problems with consistency on new DOE hardware</a:t>
-            </a:r>
-            <a:endParaRPr lang="en-US" sz="2000" spc="-1" dirty="0">
-              <a:latin typeface="Arial"/>
-            </a:endParaRPr>
-          </a:p>
-          <a:p>
-            <a:pPr marL="173160" indent="-172440">
-              <a:lnSpc>
-                <a:spcPct val="100000"/>
-              </a:lnSpc>
-              <a:spcBef>
-                <a:spcPts val="601"/>
-              </a:spcBef>
-              <a:buClr>
-                <a:srgbClr val="232425"/>
-              </a:buClr>
-              <a:buFont typeface="Wingdings" charset="2"/>
-              <a:buChar char=""/>
-            </a:pPr>
-            <a:r>
-              <a:rPr lang="en-US" sz="2400" spc="-1" dirty="0">
-                <a:solidFill>
-                  <a:srgbClr val="232425"/>
-                </a:solidFill>
-                <a:latin typeface="Arial"/>
-              </a:rPr>
-              <a:t>Convenient</a:t>
-            </a:r>
-            <a:endParaRPr lang="en-US" sz="2000" spc="-1" dirty="0">
-              <a:latin typeface="Arial"/>
-            </a:endParaRPr>
-          </a:p>
-          <a:p>
-            <a:pPr marL="520560" lvl="1" indent="-235800">
-              <a:lnSpc>
-                <a:spcPct val="100000"/>
-              </a:lnSpc>
-              <a:buClr>
-                <a:srgbClr val="232425"/>
-              </a:buClr>
-              <a:buFont typeface="Arial"/>
-              <a:buChar char="–"/>
-            </a:pPr>
-            <a:r>
-              <a:rPr lang="en-US" sz="2000" spc="-1" dirty="0">
-                <a:solidFill>
-                  <a:srgbClr val="232425"/>
-                </a:solidFill>
-                <a:latin typeface="Arial"/>
-              </a:rPr>
-              <a:t>Pass arguments via command line</a:t>
-            </a:r>
-            <a:endParaRPr lang="en-US" sz="2000" spc="-1" dirty="0">
-              <a:latin typeface="Arial"/>
-            </a:endParaRPr>
-          </a:p>
-          <a:p>
-            <a:pPr marL="809485" lvl="2" indent="-235800">
-              <a:lnSpc>
-                <a:spcPct val="100000"/>
-              </a:lnSpc>
-              <a:buClr>
-                <a:srgbClr val="232425"/>
-              </a:buClr>
-              <a:buFont typeface="Arial"/>
-              <a:buChar char="–"/>
-            </a:pPr>
-            <a:r>
-              <a:rPr lang="en-US" sz="1800" spc="-1" dirty="0">
-                <a:solidFill>
-                  <a:srgbClr val="232425"/>
-                </a:solidFill>
-                <a:latin typeface="Arial"/>
-              </a:rPr>
-              <a:t>Standard keywords parsed automatically, user can add new ones</a:t>
-            </a:r>
-            <a:endParaRPr lang="en-US" sz="900" spc="-1" dirty="0">
-              <a:solidFill>
-                <a:srgbClr val="232425"/>
-              </a:solidFill>
-              <a:latin typeface="Arial"/>
-            </a:endParaRPr>
-          </a:p>
-          <a:p>
-            <a:pPr marL="520560" lvl="1" indent="-235800">
-              <a:lnSpc>
-                <a:spcPct val="100000"/>
-              </a:lnSpc>
-              <a:buClr>
-                <a:srgbClr val="232425"/>
-              </a:buClr>
-              <a:buFont typeface="Arial"/>
-              <a:buChar char="–"/>
-            </a:pPr>
-            <a:r>
-              <a:rPr lang="en-US" sz="2000" spc="-1" dirty="0">
-                <a:solidFill>
-                  <a:srgbClr val="232425"/>
-                </a:solidFill>
-                <a:latin typeface="Arial"/>
-              </a:rPr>
-              <a:t>Modify the default file</a:t>
-            </a:r>
-            <a:endParaRPr lang="en-US" sz="2000" spc="-1" dirty="0">
-              <a:latin typeface="Arial"/>
-            </a:endParaRPr>
-          </a:p>
-          <a:p>
-            <a:pPr marL="803160" lvl="2" indent="-186480">
-              <a:lnSpc>
-                <a:spcPct val="100000"/>
-              </a:lnSpc>
-              <a:buClr>
-                <a:srgbClr val="232425"/>
-              </a:buClr>
-              <a:buFont typeface="Arial"/>
-              <a:buChar char="•"/>
-            </a:pPr>
-            <a:r>
-              <a:rPr lang="en-US" spc="-1" dirty="0">
-                <a:solidFill>
-                  <a:srgbClr val="232425"/>
-                </a:solidFill>
-                <a:latin typeface="Arial"/>
-              </a:rPr>
-              <a:t>Provide a new default model specification </a:t>
-            </a:r>
-            <a:r>
-              <a:rPr lang="en-US" spc="-1" dirty="0">
-                <a:solidFill>
-                  <a:srgbClr val="232425"/>
-                </a:solidFill>
-                <a:latin typeface="Consolas" panose="020B0609020204030204" pitchFamily="49" charset="0"/>
-                <a:cs typeface="Consolas" panose="020B0609020204030204" pitchFamily="49" charset="0"/>
-              </a:rPr>
-              <a:t>‘--</a:t>
-            </a:r>
-            <a:r>
-              <a:rPr lang="en-US" spc="-1" dirty="0" err="1">
-                <a:solidFill>
-                  <a:srgbClr val="232425"/>
-                </a:solidFill>
-                <a:latin typeface="Consolas" panose="020B0609020204030204" pitchFamily="49" charset="0"/>
-                <a:cs typeface="Consolas" panose="020B0609020204030204" pitchFamily="49" charset="0"/>
-              </a:rPr>
-              <a:t>config_file</a:t>
-            </a:r>
-            <a:r>
-              <a:rPr lang="en-US" spc="-1" dirty="0">
-                <a:solidFill>
-                  <a:srgbClr val="232425"/>
-                </a:solidFill>
-                <a:latin typeface="Consolas" panose="020B0609020204030204" pitchFamily="49" charset="0"/>
-                <a:cs typeface="Consolas" panose="020B0609020204030204" pitchFamily="49" charset="0"/>
-              </a:rPr>
-              <a:t> </a:t>
-            </a:r>
-            <a:r>
-              <a:rPr lang="en-US" spc="-1" dirty="0" err="1">
-                <a:solidFill>
-                  <a:srgbClr val="232425"/>
-                </a:solidFill>
-                <a:latin typeface="Consolas" panose="020B0609020204030204" pitchFamily="49" charset="0"/>
-                <a:cs typeface="Consolas" panose="020B0609020204030204" pitchFamily="49" charset="0"/>
-              </a:rPr>
-              <a:t>new_default_model.txt</a:t>
-            </a:r>
-            <a:r>
-              <a:rPr lang="en-US" spc="-1" dirty="0">
-                <a:solidFill>
-                  <a:srgbClr val="232425"/>
-                </a:solidFill>
-                <a:latin typeface="Arial"/>
-              </a:rPr>
-              <a:t>’</a:t>
-            </a:r>
-            <a:endParaRPr lang="en-US" spc="-1" dirty="0">
-              <a:latin typeface="Arial"/>
-            </a:endParaRPr>
-          </a:p>
-        </p:txBody>
-      </p:sp>
-    </p:spTree>
-    <p:extLst>
-      <p:ext uri="{BB962C8B-B14F-4D97-AF65-F5344CB8AC3E}">
-        <p14:creationId xmlns:p14="http://schemas.microsoft.com/office/powerpoint/2010/main" val="1133072129"/>
-      </p:ext>
-    </p:extLst>
-  </p:cSld>
-  <p:clrMapOvr>
-    <a:masterClrMapping/>
-  </p:clrMapOvr>
-</p:sld>
-</file>
-
-<file path=ppt/slides/slide6.xml><?xml version="1.0" encoding="utf-8"?>
-<p:sld xmlns:a="http://schemas.openxmlformats.org/drawingml/2006/main" xmlns:r="http://schemas.openxmlformats.org/officeDocument/2006/relationships" xmlns:p="http://schemas.openxmlformats.org/presentationml/2006/main">
-  <p:cSld>
-    <p:spTree>
-      <p:nvGrpSpPr>
-        <p:cNvPr id="1" name=""/>
-        <p:cNvGrpSpPr/>
-        <p:nvPr/>
-      </p:nvGrpSpPr>
-      <p:grpSpPr>
-        <a:xfrm>
-          <a:off x="0" y="0"/>
-          <a:ext cx="0" cy="0"/>
-          <a:chOff x="0" y="0"/>
-          <a:chExt cx="0" cy="0"/>
-        </a:xfrm>
-      </p:grpSpPr>
-      <p:sp>
-        <p:nvSpPr>
-          <p:cNvPr id="2" name="Title 1">
-            <a:extLst>
-              <a:ext uri="{FF2B5EF4-FFF2-40B4-BE49-F238E27FC236}">
-                <a16:creationId xmlns:a16="http://schemas.microsoft.com/office/drawing/2014/main" xmlns="" id="{23B2D594-D6FA-F84D-BBB6-B1B4820B4707}"/>
-              </a:ext>
-            </a:extLst>
-          </p:cNvPr>
-          <p:cNvSpPr>
-            <a:spLocks noGrp="1"/>
-          </p:cNvSpPr>
-          <p:nvPr>
-            <p:ph type="title"/>
-          </p:nvPr>
-        </p:nvSpPr>
-        <p:spPr/>
-        <p:txBody>
-          <a:bodyPr/>
-          <a:lstStyle/>
-          <a:p>
-            <a:r>
-              <a:rPr lang="en-US" dirty="0"/>
-              <a:t>Benefits provided by CANDLE</a:t>
-            </a:r>
-          </a:p>
-        </p:txBody>
-      </p:sp>
-      <p:sp>
-        <p:nvSpPr>
-          <p:cNvPr id="3" name="Content Placeholder 2">
-            <a:extLst>
-              <a:ext uri="{FF2B5EF4-FFF2-40B4-BE49-F238E27FC236}">
-                <a16:creationId xmlns:a16="http://schemas.microsoft.com/office/drawing/2014/main" xmlns="" id="{44E470A8-3F40-2942-8B28-EBA466579C6A}"/>
-              </a:ext>
-            </a:extLst>
-          </p:cNvPr>
-          <p:cNvSpPr>
-            <a:spLocks noGrp="1"/>
-          </p:cNvSpPr>
-          <p:nvPr>
-            <p:ph idx="1"/>
-          </p:nvPr>
-        </p:nvSpPr>
-        <p:spPr/>
-        <p:txBody>
-          <a:bodyPr/>
-          <a:lstStyle/>
-          <a:p>
-            <a:pPr marL="173160" indent="-172440">
-              <a:lnSpc>
-                <a:spcPct val="100000"/>
-              </a:lnSpc>
-              <a:spcBef>
-                <a:spcPts val="601"/>
-              </a:spcBef>
-              <a:buClr>
-                <a:srgbClr val="232425"/>
-              </a:buClr>
-              <a:buFont typeface="Wingdings" charset="2"/>
-              <a:buChar char=""/>
-            </a:pPr>
-            <a:r>
-              <a:rPr lang="en-US" sz="2400" spc="-1" dirty="0">
-                <a:solidFill>
-                  <a:srgbClr val="232425"/>
-                </a:solidFill>
-                <a:latin typeface="Arial"/>
-              </a:rPr>
-              <a:t>Provides various utility packages that promote reuse and streamline code development</a:t>
-            </a:r>
-          </a:p>
-          <a:p>
-            <a:pPr marL="568447" lvl="1" indent="-172440">
-              <a:lnSpc>
-                <a:spcPct val="100000"/>
-              </a:lnSpc>
-              <a:spcBef>
-                <a:spcPts val="601"/>
-              </a:spcBef>
-              <a:buClr>
-                <a:srgbClr val="232425"/>
-              </a:buClr>
-              <a:buFont typeface="Wingdings" charset="2"/>
-              <a:buChar char=""/>
-            </a:pPr>
-            <a:r>
-              <a:rPr lang="en-US" sz="2000" spc="-1" dirty="0">
-                <a:solidFill>
-                  <a:srgbClr val="232425"/>
-                </a:solidFill>
-                <a:latin typeface="Arial"/>
-              </a:rPr>
-              <a:t>Actively developed, new functionality based on need</a:t>
-            </a:r>
-            <a:endParaRPr lang="en-US" sz="2000" spc="-1" dirty="0">
-              <a:latin typeface="Arial"/>
-            </a:endParaRPr>
-          </a:p>
-          <a:p>
-            <a:pPr marL="173160" indent="-172440">
-              <a:lnSpc>
-                <a:spcPct val="100000"/>
-              </a:lnSpc>
-              <a:spcBef>
-                <a:spcPts val="601"/>
-              </a:spcBef>
-              <a:buClr>
-                <a:srgbClr val="232425"/>
-              </a:buClr>
-              <a:buFont typeface="Wingdings" charset="2"/>
-              <a:buChar char=""/>
-            </a:pPr>
-            <a:r>
-              <a:rPr lang="en-US" sz="2400" spc="-1" dirty="0">
-                <a:solidFill>
-                  <a:srgbClr val="232425"/>
-                </a:solidFill>
-                <a:latin typeface="Arial"/>
-              </a:rPr>
-              <a:t>Provides the pathway for inferencing, data-parallelism, automated sweeps of hyperparameters</a:t>
-            </a:r>
-            <a:endParaRPr lang="en-US" sz="2400" spc="-1" dirty="0">
-              <a:latin typeface="Arial"/>
-            </a:endParaRPr>
-          </a:p>
-          <a:p>
-            <a:pPr marL="173160" indent="-172440">
-              <a:lnSpc>
-                <a:spcPct val="100000"/>
-              </a:lnSpc>
-              <a:spcBef>
-                <a:spcPts val="601"/>
-              </a:spcBef>
-              <a:buClr>
-                <a:srgbClr val="232425"/>
-              </a:buClr>
-              <a:buFont typeface="Wingdings" charset="2"/>
-              <a:buChar char=""/>
-            </a:pPr>
-            <a:r>
-              <a:rPr lang="en-US" sz="2400" spc="-1" dirty="0">
-                <a:solidFill>
-                  <a:srgbClr val="232425"/>
-                </a:solidFill>
-                <a:latin typeface="Arial"/>
-              </a:rPr>
-              <a:t>Availability of a robust framework for documentation and testing </a:t>
-            </a:r>
-            <a:endParaRPr lang="en-US" sz="2400" spc="-1" dirty="0">
-              <a:latin typeface="Arial"/>
-            </a:endParaRPr>
-          </a:p>
-          <a:p>
-            <a:pPr marL="173160" indent="-172440">
-              <a:lnSpc>
-                <a:spcPct val="100000"/>
-              </a:lnSpc>
-              <a:spcBef>
-                <a:spcPts val="601"/>
-              </a:spcBef>
-              <a:buClr>
-                <a:srgbClr val="232425"/>
-              </a:buClr>
-              <a:buFont typeface="Wingdings" charset="2"/>
-              <a:buChar char=""/>
-            </a:pPr>
-            <a:r>
-              <a:rPr lang="en-US" sz="2400" spc="-1" dirty="0">
-                <a:solidFill>
-                  <a:srgbClr val="232425"/>
-                </a:solidFill>
-                <a:latin typeface="Arial"/>
-              </a:rPr>
-              <a:t>Pre-existing for containers such as Singularity (Ex. machines such as Theta, Titan, Cori, </a:t>
-            </a:r>
-            <a:r>
-              <a:rPr lang="en-US" sz="2400" spc="-1" dirty="0" err="1">
-                <a:solidFill>
-                  <a:srgbClr val="232425"/>
-                </a:solidFill>
-                <a:latin typeface="Arial"/>
-              </a:rPr>
-              <a:t>summitdev</a:t>
-            </a:r>
-            <a:r>
-              <a:rPr lang="en-US" sz="2400" spc="-1" dirty="0">
-                <a:solidFill>
-                  <a:srgbClr val="232425"/>
-                </a:solidFill>
-                <a:latin typeface="Arial"/>
-              </a:rPr>
-              <a:t>) </a:t>
-            </a:r>
-          </a:p>
-          <a:p>
-            <a:pPr marL="173160" indent="-172440">
-              <a:lnSpc>
-                <a:spcPct val="100000"/>
-              </a:lnSpc>
-              <a:spcBef>
-                <a:spcPts val="601"/>
-              </a:spcBef>
-              <a:buClr>
-                <a:srgbClr val="232425"/>
-              </a:buClr>
-              <a:buFont typeface="Wingdings" charset="2"/>
-              <a:buChar char=""/>
-            </a:pPr>
-            <a:r>
-              <a:rPr lang="en-US" sz="2400" spc="-1" dirty="0">
-                <a:solidFill>
-                  <a:srgbClr val="232425"/>
-                </a:solidFill>
-                <a:latin typeface="Arial"/>
-              </a:rPr>
-              <a:t>Documentation: </a:t>
-            </a:r>
-            <a:r>
-              <a:rPr lang="en-US" sz="2400" u="sng" spc="-1" dirty="0">
-                <a:solidFill>
-                  <a:srgbClr val="000000"/>
-                </a:solidFill>
-                <a:latin typeface="Arial"/>
-                <a:hlinkClick r:id="rId2"/>
-              </a:rPr>
-              <a:t>https://ecp-candle.github.io/Candle/html/index.html</a:t>
-            </a:r>
-            <a:r>
-              <a:rPr lang="en-US" sz="2400" spc="-1" dirty="0">
-                <a:solidFill>
-                  <a:srgbClr val="232425"/>
-                </a:solidFill>
-                <a:latin typeface="Arial"/>
-              </a:rPr>
-              <a:t> </a:t>
-            </a:r>
-            <a:endParaRPr lang="en-US" sz="2400" spc="-1" dirty="0">
-              <a:latin typeface="Arial"/>
-            </a:endParaRPr>
-          </a:p>
-          <a:p>
-            <a:pPr marL="173160" indent="-172440">
-              <a:lnSpc>
-                <a:spcPct val="100000"/>
-              </a:lnSpc>
-              <a:spcBef>
-                <a:spcPts val="601"/>
-              </a:spcBef>
-              <a:buClr>
-                <a:srgbClr val="232425"/>
-              </a:buClr>
-              <a:buFont typeface="Wingdings" charset="2"/>
-              <a:buChar char=""/>
-            </a:pPr>
-            <a:endParaRPr lang="en-US" sz="2400" spc="-1" dirty="0">
-              <a:latin typeface="Arial"/>
-            </a:endParaRPr>
-          </a:p>
-        </p:txBody>
-      </p:sp>
-    </p:spTree>
-    <p:extLst>
-      <p:ext uri="{BB962C8B-B14F-4D97-AF65-F5344CB8AC3E}">
-        <p14:creationId xmlns:p14="http://schemas.microsoft.com/office/powerpoint/2010/main" val="2576987404"/>
-      </p:ext>
-    </p:extLst>
-  </p:cSld>
-  <p:clrMapOvr>
-    <a:masterClrMapping/>
-  </p:clrMapOvr>
-</p:sld>
-</file>
-
-<file path=ppt/slides/slide7.xml><?xml version="1.0" encoding="utf-8"?>
-<p:sld xmlns:a="http://schemas.openxmlformats.org/drawingml/2006/main" xmlns:r="http://schemas.openxmlformats.org/officeDocument/2006/relationships" xmlns:p="http://schemas.openxmlformats.org/presentationml/2006/main">
-  <p:cSld>
-    <p:spTree>
-      <p:nvGrpSpPr>
-        <p:cNvPr id="1" name=""/>
-        <p:cNvGrpSpPr/>
-        <p:nvPr/>
-      </p:nvGrpSpPr>
-      <p:grpSpPr>
-        <a:xfrm>
-          <a:off x="0" y="0"/>
-          <a:ext cx="0" cy="0"/>
-          <a:chOff x="0" y="0"/>
-          <a:chExt cx="0" cy="0"/>
-        </a:xfrm>
-      </p:grpSpPr>
-      <p:sp>
-        <p:nvSpPr>
-          <p:cNvPr id="2" name="Title 1">
-            <a:extLst>
-              <a:ext uri="{FF2B5EF4-FFF2-40B4-BE49-F238E27FC236}">
-                <a16:creationId xmlns:a16="http://schemas.microsoft.com/office/drawing/2014/main" xmlns="" id="{97BE5B12-2487-2F4F-A275-FF81242A5B98}"/>
-              </a:ext>
-            </a:extLst>
-          </p:cNvPr>
-          <p:cNvSpPr>
-            <a:spLocks noGrp="1"/>
-          </p:cNvSpPr>
-          <p:nvPr>
-            <p:ph type="title"/>
-          </p:nvPr>
-        </p:nvSpPr>
-        <p:spPr/>
-        <p:txBody>
-          <a:bodyPr/>
-          <a:lstStyle/>
-          <a:p>
-            <a:r>
-              <a:rPr lang="en-US" dirty="0"/>
-              <a:t>Library Overview</a:t>
-            </a:r>
-          </a:p>
-        </p:txBody>
-      </p:sp>
-      <p:sp>
-        <p:nvSpPr>
-          <p:cNvPr id="3" name="Content Placeholder 2">
-            <a:extLst>
-              <a:ext uri="{FF2B5EF4-FFF2-40B4-BE49-F238E27FC236}">
-                <a16:creationId xmlns:a16="http://schemas.microsoft.com/office/drawing/2014/main" xmlns="" id="{3A6BD337-8999-204E-84E1-76B2829CBE0B}"/>
-              </a:ext>
-            </a:extLst>
-          </p:cNvPr>
-          <p:cNvSpPr>
-            <a:spLocks noGrp="1"/>
-          </p:cNvSpPr>
-          <p:nvPr>
-            <p:ph idx="1"/>
-          </p:nvPr>
-        </p:nvSpPr>
-        <p:spPr/>
-        <p:txBody>
-          <a:bodyPr/>
-          <a:lstStyle/>
-          <a:p>
-            <a:r>
-              <a:rPr lang="en-US" dirty="0"/>
-              <a:t>Integrated into the scripting level of CANDLE stack</a:t>
-            </a:r>
-          </a:p>
-          <a:p>
-            <a:pPr lvl="1"/>
-            <a:r>
-              <a:rPr lang="en-US" dirty="0"/>
-              <a:t>Keras-based (for now)</a:t>
-            </a:r>
-          </a:p>
-          <a:p>
-            <a:pPr lvl="1"/>
-            <a:r>
-              <a:rPr lang="en-US" dirty="0"/>
-              <a:t>Allows multiple backends (</a:t>
-            </a:r>
-            <a:r>
-              <a:rPr lang="en-US" dirty="0" err="1"/>
-              <a:t>Tensorflow</a:t>
-            </a:r>
-            <a:r>
-              <a:rPr lang="en-US" dirty="0"/>
-              <a:t>, CNTK, </a:t>
-            </a:r>
-            <a:r>
-              <a:rPr lang="en-US" dirty="0" err="1"/>
-              <a:t>etc</a:t>
-            </a:r>
-            <a:r>
-              <a:rPr lang="en-US" dirty="0"/>
-              <a:t>)</a:t>
-            </a:r>
-          </a:p>
-          <a:p>
-            <a:r>
-              <a:rPr lang="en-US" dirty="0"/>
-              <a:t>Provides a single namespace for inclusion of useful functions into Benchmark codes</a:t>
-            </a:r>
-          </a:p>
-          <a:p>
-            <a:r>
-              <a:rPr lang="en-US" dirty="0"/>
-              <a:t>Allows developers to decide which functions are exposed to users</a:t>
-            </a:r>
-          </a:p>
-          <a:p>
-            <a:pPr lvl="1"/>
-            <a:r>
-              <a:rPr lang="en-US" dirty="0" err="1">
-                <a:latin typeface="Consolas" panose="020B0609020204030204" pitchFamily="49" charset="0"/>
-                <a:cs typeface="Consolas" panose="020B0609020204030204" pitchFamily="49" charset="0"/>
-              </a:rPr>
-              <a:t>candle_keras</a:t>
-            </a:r>
-            <a:r>
-              <a:rPr lang="en-US" dirty="0">
-                <a:latin typeface="Consolas" panose="020B0609020204030204" pitchFamily="49" charset="0"/>
-                <a:cs typeface="Consolas" panose="020B0609020204030204" pitchFamily="49" charset="0"/>
-              </a:rPr>
-              <a:t> </a:t>
-            </a:r>
-            <a:r>
-              <a:rPr lang="en-US" dirty="0"/>
-              <a:t>directory with </a:t>
-            </a:r>
-            <a:r>
-              <a:rPr lang="en-US" dirty="0">
-                <a:latin typeface="Consolas" panose="020B0609020204030204" pitchFamily="49" charset="0"/>
-                <a:cs typeface="Consolas" panose="020B0609020204030204" pitchFamily="49" charset="0"/>
-              </a:rPr>
-              <a:t>__</a:t>
-            </a:r>
-            <a:r>
-              <a:rPr lang="en-US" dirty="0" err="1">
-                <a:latin typeface="Consolas" panose="020B0609020204030204" pitchFamily="49" charset="0"/>
-                <a:cs typeface="Consolas" panose="020B0609020204030204" pitchFamily="49" charset="0"/>
-              </a:rPr>
-              <a:t>init</a:t>
-            </a:r>
-            <a:r>
-              <a:rPr lang="en-US" dirty="0">
-                <a:latin typeface="Consolas" panose="020B0609020204030204" pitchFamily="49" charset="0"/>
-                <a:cs typeface="Consolas" panose="020B0609020204030204" pitchFamily="49" charset="0"/>
-              </a:rPr>
-              <a:t>__.</a:t>
-            </a:r>
-            <a:r>
-              <a:rPr lang="en-US" dirty="0" err="1">
-                <a:latin typeface="Consolas" panose="020B0609020204030204" pitchFamily="49" charset="0"/>
-                <a:cs typeface="Consolas" panose="020B0609020204030204" pitchFamily="49" charset="0"/>
-              </a:rPr>
-              <a:t>py</a:t>
-            </a:r>
-            <a:r>
-              <a:rPr lang="en-US" dirty="0">
-                <a:latin typeface="Consolas" panose="020B0609020204030204" pitchFamily="49" charset="0"/>
-                <a:cs typeface="Consolas" panose="020B0609020204030204" pitchFamily="49" charset="0"/>
-              </a:rPr>
-              <a:t> </a:t>
-            </a:r>
-            <a:r>
-              <a:rPr lang="en-US" dirty="0"/>
-              <a:t>file sets included functions</a:t>
-            </a:r>
-          </a:p>
-          <a:p>
-            <a:r>
-              <a:rPr lang="en-US" dirty="0"/>
-              <a:t>Allows reuse of non-Keras specific functions to create libraries for other languages</a:t>
-            </a:r>
-          </a:p>
-        </p:txBody>
-      </p:sp>
-    </p:spTree>
-    <p:extLst>
-      <p:ext uri="{BB962C8B-B14F-4D97-AF65-F5344CB8AC3E}">
-        <p14:creationId xmlns:p14="http://schemas.microsoft.com/office/powerpoint/2010/main" val="4275861639"/>
-      </p:ext>
-    </p:extLst>
-  </p:cSld>
-  <p:clrMapOvr>
-    <a:masterClrMapping/>
-  </p:clrMapOvr>
-</p:sld>
-</file>
-
-<file path=ppt/slides/slide8.xml><?xml version="1.0" encoding="utf-8"?>
-<p:sld xmlns:a="http://schemas.openxmlformats.org/drawingml/2006/main" xmlns:r="http://schemas.openxmlformats.org/officeDocument/2006/relationships" xmlns:p="http://schemas.openxmlformats.org/presentationml/2006/main">
-  <p:cSld>
-    <p:spTree>
-      <p:nvGrpSpPr>
-        <p:cNvPr id="1" name=""/>
-        <p:cNvGrpSpPr/>
-        <p:nvPr/>
-      </p:nvGrpSpPr>
-      <p:grpSpPr>
-        <a:xfrm>
-          <a:off x="0" y="0"/>
-          <a:ext cx="0" cy="0"/>
-          <a:chOff x="0" y="0"/>
-          <a:chExt cx="0" cy="0"/>
-        </a:xfrm>
-      </p:grpSpPr>
-      <p:sp>
-        <p:nvSpPr>
-          <p:cNvPr id="2" name="Title 1">
-            <a:extLst>
-              <a:ext uri="{FF2B5EF4-FFF2-40B4-BE49-F238E27FC236}">
-                <a16:creationId xmlns:a16="http://schemas.microsoft.com/office/drawing/2014/main" xmlns="" id="{AC31EF13-207E-F848-B3E7-783396E8ED47}"/>
-              </a:ext>
-            </a:extLst>
-          </p:cNvPr>
-          <p:cNvSpPr>
-            <a:spLocks noGrp="1"/>
-          </p:cNvSpPr>
-          <p:nvPr>
-            <p:ph type="title"/>
-          </p:nvPr>
-        </p:nvSpPr>
-        <p:spPr/>
-        <p:txBody>
-          <a:bodyPr/>
-          <a:lstStyle/>
-          <a:p>
-            <a:r>
-              <a:rPr lang="en-US" dirty="0"/>
-              <a:t>Library organization</a:t>
-            </a:r>
-          </a:p>
-        </p:txBody>
-      </p:sp>
-      <p:sp>
-        <p:nvSpPr>
-          <p:cNvPr id="3" name="Content Placeholder 2">
-            <a:extLst>
-              <a:ext uri="{FF2B5EF4-FFF2-40B4-BE49-F238E27FC236}">
-                <a16:creationId xmlns:a16="http://schemas.microsoft.com/office/drawing/2014/main" xmlns="" id="{077AFDA0-9B14-D94F-B915-8C5668EAE47F}"/>
-              </a:ext>
-            </a:extLst>
-          </p:cNvPr>
-          <p:cNvSpPr>
-            <a:spLocks noGrp="1"/>
-          </p:cNvSpPr>
-          <p:nvPr>
-            <p:ph idx="1"/>
-          </p:nvPr>
-        </p:nvSpPr>
-        <p:spPr/>
-        <p:txBody>
-          <a:bodyPr/>
-          <a:lstStyle/>
-          <a:p>
-            <a:r>
-              <a:rPr lang="en-US" dirty="0"/>
-              <a:t>Utilities are organized by functionality</a:t>
-            </a:r>
-          </a:p>
-          <a:p>
-            <a:pPr lvl="1"/>
-            <a:r>
-              <a:rPr lang="en-US" dirty="0"/>
-              <a:t>Transparent to the user, mostly framework agnostic</a:t>
-            </a:r>
-          </a:p>
-          <a:p>
-            <a:pPr lvl="2"/>
-            <a:r>
-              <a:rPr lang="en-US" dirty="0" err="1"/>
-              <a:t>default_utils</a:t>
-            </a:r>
-            <a:r>
-              <a:rPr lang="en-US" dirty="0"/>
-              <a:t>: create, modify parameter dictionary</a:t>
-            </a:r>
-          </a:p>
-          <a:p>
-            <a:pPr lvl="2"/>
-            <a:r>
-              <a:rPr lang="en-US" dirty="0" err="1"/>
-              <a:t>file_utils</a:t>
-            </a:r>
-            <a:r>
-              <a:rPr lang="en-US" dirty="0"/>
-              <a:t>: fetch and unpack </a:t>
-            </a:r>
-            <a:r>
-              <a:rPr lang="en-US" dirty="0" err="1"/>
-              <a:t>da†a</a:t>
-            </a:r>
-            <a:r>
-              <a:rPr lang="en-US" dirty="0"/>
-              <a:t> files</a:t>
-            </a:r>
-          </a:p>
-          <a:p>
-            <a:pPr lvl="2"/>
-            <a:r>
-              <a:rPr lang="en-US" dirty="0" err="1"/>
-              <a:t>data_utils</a:t>
-            </a:r>
-            <a:r>
-              <a:rPr lang="en-US" dirty="0"/>
-              <a:t>: load and manipulate data, enable UQ (via </a:t>
-            </a:r>
-            <a:r>
-              <a:rPr lang="en-US" dirty="0" err="1"/>
-              <a:t>uq_utils</a:t>
-            </a:r>
-            <a:r>
-              <a:rPr lang="en-US" dirty="0"/>
-              <a:t>)</a:t>
-            </a:r>
-          </a:p>
-          <a:p>
-            <a:pPr lvl="2"/>
-            <a:r>
-              <a:rPr lang="en-US" dirty="0" err="1"/>
-              <a:t>generic_utils</a:t>
-            </a:r>
-            <a:r>
-              <a:rPr lang="en-US" dirty="0"/>
-              <a:t>: callback function, standardize screen output</a:t>
-            </a:r>
-          </a:p>
-          <a:p>
-            <a:pPr lvl="2"/>
-            <a:r>
-              <a:rPr lang="en-US" dirty="0" err="1"/>
-              <a:t>keras_utils</a:t>
-            </a:r>
-            <a:r>
-              <a:rPr lang="en-US" dirty="0"/>
-              <a:t>: translation from CANDLE keywords, enhance Keras functionality</a:t>
-            </a:r>
-          </a:p>
-          <a:p>
-            <a:pPr lvl="2"/>
-            <a:r>
-              <a:rPr lang="en-US" dirty="0" err="1"/>
-              <a:t>solr_keras</a:t>
-            </a:r>
-            <a:r>
-              <a:rPr lang="en-US" dirty="0"/>
-              <a:t>: database functionality</a:t>
-            </a:r>
-          </a:p>
-          <a:p>
-            <a:pPr lvl="2"/>
-            <a:r>
-              <a:rPr lang="en-US" dirty="0" err="1"/>
-              <a:t>viz_utils</a:t>
-            </a:r>
-            <a:r>
-              <a:rPr lang="en-US" dirty="0"/>
-              <a:t>: visualize networks and output (prototype)</a:t>
-            </a:r>
-          </a:p>
-          <a:p>
-            <a:pPr marL="0" indent="0">
-              <a:buNone/>
-            </a:pPr>
-            <a:endParaRPr lang="en-US" dirty="0"/>
-          </a:p>
-        </p:txBody>
-      </p:sp>
-    </p:spTree>
-    <p:extLst>
-      <p:ext uri="{BB962C8B-B14F-4D97-AF65-F5344CB8AC3E}">
-        <p14:creationId xmlns:p14="http://schemas.microsoft.com/office/powerpoint/2010/main" val="3976508517"/>
-      </p:ext>
-    </p:extLst>
-  </p:cSld>
-  <p:clrMapOvr>
-    <a:masterClrMapping/>
-  </p:clrMapOvr>
-</p:sld>
-</file>
-
-<file path=ppt/slides/slide9.xml><?xml version="1.0" encoding="utf-8"?>
-<p:sld xmlns:a="http://schemas.openxmlformats.org/drawingml/2006/main" xmlns:r="http://schemas.openxmlformats.org/officeDocument/2006/relationships" xmlns:p="http://schemas.openxmlformats.org/presentationml/2006/main">
-  <p:cSld>
-    <p:spTree>
-      <p:nvGrpSpPr>
-        <p:cNvPr id="1" name=""/>
-        <p:cNvGrpSpPr/>
-        <p:nvPr/>
-      </p:nvGrpSpPr>
-      <p:grpSpPr>
-        <a:xfrm>
-          <a:off x="0" y="0"/>
-          <a:ext cx="0" cy="0"/>
-          <a:chOff x="0" y="0"/>
-          <a:chExt cx="0" cy="0"/>
-        </a:xfrm>
-      </p:grpSpPr>
-      <p:sp>
-        <p:nvSpPr>
-          <p:cNvPr id="2" name="Title 1">
-            <a:extLst>
-              <a:ext uri="{FF2B5EF4-FFF2-40B4-BE49-F238E27FC236}">
-                <a16:creationId xmlns:a16="http://schemas.microsoft.com/office/drawing/2014/main" xmlns="" id="{9AC09FDD-3CF8-3245-BB00-C351D23D85BD}"/>
-              </a:ext>
-            </a:extLst>
-          </p:cNvPr>
-          <p:cNvSpPr>
-            <a:spLocks noGrp="1"/>
-          </p:cNvSpPr>
-          <p:nvPr>
-            <p:ph type="title"/>
-          </p:nvPr>
-        </p:nvSpPr>
-        <p:spPr/>
-        <p:txBody>
-          <a:bodyPr/>
-          <a:lstStyle/>
-          <a:p>
-            <a:r>
-              <a:rPr lang="en-US" dirty="0"/>
-              <a:t>Example Benchmark Workflow</a:t>
-            </a:r>
-          </a:p>
-        </p:txBody>
-      </p:sp>
-      <p:sp>
-        <p:nvSpPr>
-          <p:cNvPr id="3" name="Content Placeholder 2">
-            <a:extLst>
-              <a:ext uri="{FF2B5EF4-FFF2-40B4-BE49-F238E27FC236}">
-                <a16:creationId xmlns:a16="http://schemas.microsoft.com/office/drawing/2014/main" xmlns="" id="{2450FE25-9797-FB4D-AFE7-97E96E8006A6}"/>
-              </a:ext>
-            </a:extLst>
-          </p:cNvPr>
-          <p:cNvSpPr>
-            <a:spLocks noGrp="1"/>
-          </p:cNvSpPr>
-          <p:nvPr>
-            <p:ph idx="1"/>
-          </p:nvPr>
-        </p:nvSpPr>
-        <p:spPr/>
-        <p:txBody>
-          <a:bodyPr/>
-          <a:lstStyle/>
-          <a:p>
-            <a:r>
-              <a:rPr lang="en-US" sz="2400" dirty="0" err="1">
-                <a:latin typeface="Consolas" panose="020B0609020204030204" pitchFamily="49" charset="0"/>
-                <a:cs typeface="Consolas" panose="020B0609020204030204" pitchFamily="49" charset="0"/>
-              </a:rPr>
-              <a:t>initialize_parameters</a:t>
-            </a:r>
-            <a:r>
-              <a:rPr lang="en-US" dirty="0"/>
-              <a:t>: </a:t>
-            </a:r>
-          </a:p>
-          <a:p>
-            <a:pPr lvl="1"/>
-            <a:r>
-              <a:rPr lang="en-US" dirty="0"/>
-              <a:t>Read default values for the model from </a:t>
-            </a:r>
-            <a:r>
-              <a:rPr lang="en-US" dirty="0" err="1">
-                <a:latin typeface="Consolas" panose="020B0609020204030204" pitchFamily="49" charset="0"/>
-                <a:cs typeface="Consolas" panose="020B0609020204030204" pitchFamily="49" charset="0"/>
-              </a:rPr>
-              <a:t>default_model.txt</a:t>
-            </a:r>
-            <a:r>
-              <a:rPr lang="en-US" dirty="0">
-                <a:latin typeface="Consolas" panose="020B0609020204030204" pitchFamily="49" charset="0"/>
-                <a:cs typeface="Consolas" panose="020B0609020204030204" pitchFamily="49" charset="0"/>
-              </a:rPr>
-              <a:t> </a:t>
-            </a:r>
-            <a:r>
-              <a:rPr lang="en-US" dirty="0"/>
-              <a:t>file</a:t>
-            </a:r>
-          </a:p>
-          <a:p>
-            <a:pPr lvl="1"/>
-            <a:r>
-              <a:rPr lang="en-US" dirty="0"/>
-              <a:t>Automatically parse many standard ML hyperparameters</a:t>
-            </a:r>
-          </a:p>
-          <a:p>
-            <a:pPr lvl="2"/>
-            <a:r>
-              <a:rPr lang="en-US" dirty="0" err="1">
-                <a:latin typeface="Consolas" panose="020B0609020204030204" pitchFamily="49" charset="0"/>
-                <a:cs typeface="Consolas" panose="020B0609020204030204" pitchFamily="49" charset="0"/>
-              </a:rPr>
-              <a:t>learning_rate</a:t>
-            </a:r>
-            <a:r>
-              <a:rPr lang="en-US" dirty="0">
-                <a:latin typeface="Andale Mono" panose="020B0509000000000004" pitchFamily="49" charset="0"/>
-              </a:rPr>
-              <a:t>, </a:t>
-            </a:r>
-            <a:r>
-              <a:rPr lang="en-US" dirty="0" err="1">
-                <a:latin typeface="Consolas" panose="020B0609020204030204" pitchFamily="49" charset="0"/>
-                <a:cs typeface="Consolas" panose="020B0609020204030204" pitchFamily="49" charset="0"/>
-              </a:rPr>
-              <a:t>batch_size</a:t>
-            </a:r>
-            <a:r>
-              <a:rPr lang="en-US" dirty="0">
-                <a:latin typeface="Andale Mono" panose="020B0509000000000004" pitchFamily="49" charset="0"/>
-              </a:rPr>
-              <a:t>, </a:t>
-            </a:r>
-            <a:r>
-              <a:rPr lang="en-US" dirty="0" err="1">
-                <a:latin typeface="+mn-lt"/>
-              </a:rPr>
-              <a:t>etc</a:t>
-            </a:r>
-            <a:endParaRPr lang="en-US" dirty="0">
-              <a:latin typeface="+mn-lt"/>
-            </a:endParaRPr>
-          </a:p>
-          <a:p>
-            <a:pPr lvl="2"/>
-            <a:r>
-              <a:rPr lang="en-US" dirty="0" err="1">
-                <a:latin typeface="Consolas" panose="020B0609020204030204" pitchFamily="49" charset="0"/>
-                <a:cs typeface="Consolas" panose="020B0609020204030204" pitchFamily="49" charset="0"/>
-              </a:rPr>
-              <a:t>data_url</a:t>
-            </a:r>
-            <a:r>
-              <a:rPr lang="en-US" dirty="0">
-                <a:latin typeface="Andale Mono" panose="020B0509000000000004" pitchFamily="49" charset="0"/>
-              </a:rPr>
-              <a:t>, </a:t>
-            </a:r>
-            <a:r>
-              <a:rPr lang="en-US" dirty="0" err="1">
-                <a:latin typeface="Consolas" panose="020B0609020204030204" pitchFamily="49" charset="0"/>
-                <a:cs typeface="Consolas" panose="020B0609020204030204" pitchFamily="49" charset="0"/>
-              </a:rPr>
-              <a:t>train_data</a:t>
-            </a:r>
-            <a:r>
-              <a:rPr lang="en-US" dirty="0">
-                <a:latin typeface="Andale Mono" panose="020B0509000000000004" pitchFamily="49" charset="0"/>
-              </a:rPr>
-              <a:t>, </a:t>
-            </a:r>
-            <a:r>
-              <a:rPr lang="en-US" dirty="0" err="1">
-                <a:latin typeface="Consolas" panose="020B0609020204030204" pitchFamily="49" charset="0"/>
-                <a:cs typeface="Consolas" panose="020B0609020204030204" pitchFamily="49" charset="0"/>
-              </a:rPr>
-              <a:t>test_data</a:t>
-            </a:r>
-            <a:r>
-              <a:rPr lang="en-US" dirty="0"/>
-              <a:t>…</a:t>
-            </a:r>
-          </a:p>
-          <a:p>
-            <a:pPr lvl="1"/>
-            <a:r>
-              <a:rPr lang="en-US" dirty="0"/>
-              <a:t>Allows user to add other keywords via </a:t>
-            </a:r>
-            <a:r>
-              <a:rPr lang="en-US" dirty="0" err="1">
-                <a:latin typeface="Consolas" panose="020B0609020204030204" pitchFamily="49" charset="0"/>
-                <a:cs typeface="Consolas" panose="020B0609020204030204" pitchFamily="49" charset="0"/>
-              </a:rPr>
-              <a:t>additional_definitions</a:t>
-            </a:r>
-            <a:endParaRPr lang="en-US" sz="2000" dirty="0">
-              <a:latin typeface="Consolas" panose="020B0609020204030204" pitchFamily="49" charset="0"/>
-              <a:cs typeface="Consolas" panose="020B0609020204030204" pitchFamily="49" charset="0"/>
-            </a:endParaRPr>
-          </a:p>
-          <a:p>
-            <a:pPr lvl="1"/>
-            <a:r>
-              <a:rPr lang="en-US" dirty="0"/>
-              <a:t>Sets undefined hyperparameters to the corresponding Keras defaults to ensure consistency across backend frameworks </a:t>
-            </a:r>
-          </a:p>
-          <a:p>
-            <a:pPr lvl="2"/>
-            <a:r>
-              <a:rPr lang="en-US" dirty="0"/>
-              <a:t>Early work revealed some performance differences were due to mismatched default settings</a:t>
-            </a:r>
-          </a:p>
-        </p:txBody>
-      </p:sp>
-    </p:spTree>
-    <p:extLst>
-      <p:ext uri="{BB962C8B-B14F-4D97-AF65-F5344CB8AC3E}">
-        <p14:creationId xmlns:p14="http://schemas.microsoft.com/office/powerpoint/2010/main" val="2728653225"/>
-      </p:ext>
-    </p:extLst>
-  </p:cSld>
-  <p:clrMapOvr>
-    <a:masterClrMapping/>
-  </p:clrMapOvr>
 </p:sld>
 </file>
 

--- a/2020/ECP/slides/00-agenda.pptx
+++ b/2020/ECP/slides/00-agenda.pptx
@@ -142,7 +142,7 @@
   </p:defaultTextStyle>
   <p:extLst>
     <p:ext uri="{EFAFB233-063F-42B5-8137-9DF3F51BA10A}">
-      <p15:sldGuideLst xmlns:p15="http://schemas.microsoft.com/office/powerpoint/2012/main" xmlns="">
+      <p15:sldGuideLst xmlns="" xmlns:p15="http://schemas.microsoft.com/office/powerpoint/2012/main">
         <p15:guide id="2" pos="282">
           <p15:clr>
             <a:srgbClr val="A4A3A4"/>
@@ -156,7 +156,7 @@
       </p15:sldGuideLst>
     </p:ext>
     <p:ext uri="{2D200454-40CA-4A62-9FC3-DE9A4176ACB9}">
-      <p15:notesGuideLst xmlns:p15="http://schemas.microsoft.com/office/powerpoint/2012/main" xmlns="">
+      <p15:notesGuideLst xmlns="" xmlns:p15="http://schemas.microsoft.com/office/powerpoint/2012/main">
         <p15:guide id="1" orient="horz" pos="2928">
           <p15:clr>
             <a:srgbClr val="A4A3A4"/>
@@ -3267,7 +3267,19 @@
           <a:p>
             <a:r>
               <a:rPr lang="en-US" sz="2000" b="1" dirty="0" smtClean="0"/>
-              <a:t>Jamal Mohd-Yusof	(LANL)</a:t>
+              <a:t>Jamal </a:t>
+            </a:r>
+            <a:r>
+              <a:rPr lang="en-US" sz="2000" b="1" dirty="0" err="1" smtClean="0"/>
+              <a:t>Mohd</a:t>
+            </a:r>
+            <a:r>
+              <a:rPr lang="en-US" sz="2000" b="1" smtClean="0"/>
+              <a:t> Yusof</a:t>
+            </a:r>
+            <a:r>
+              <a:rPr lang="en-US" sz="2000" b="1" dirty="0" smtClean="0"/>
+              <a:t>	(LANL)</a:t>
             </a:r>
           </a:p>
           <a:p>
@@ -3664,7 +3676,6 @@
               <a:rPr lang="en-US" sz="1600" dirty="0"/>
               <a:t>Break - installations in progress</a:t>
             </a:r>
-            <a:endParaRPr lang="en-US" sz="1600" dirty="0"/>
           </a:p>
           <a:p>
             <a:r>
@@ -4247,7 +4258,7 @@
   <a:extraClrSchemeLst/>
   <a:extLst>
     <a:ext uri="{05A4C25C-085E-4340-85A3-A5531E510DB2}">
-      <thm15:themeFamily xmlns:thm15="http://schemas.microsoft.com/office/thememl/2012/main" xmlns="" name="CANDLELib_ECP_2019" id="{8C0C58F9-E13D-C749-9CD8-D6ACD55E54AE}" vid="{C7F1EDA4-5412-C244-BA03-3C19A48BF1ED}"/>
+      <thm15:themeFamily xmlns="" xmlns:thm15="http://schemas.microsoft.com/office/thememl/2012/main" name="CANDLELib_ECP_2019" id="{8C0C58F9-E13D-C749-9CD8-D6ACD55E54AE}" vid="{C7F1EDA4-5412-C244-BA03-3C19A48BF1ED}"/>
     </a:ext>
   </a:extLst>
 </a:theme>
@@ -4824,6 +4835,21 @@
 </file>
 
 <file path=customXml/item1.xml><?xml version="1.0" encoding="utf-8"?>
+<?mso-contentType ?>
+<FormTemplates xmlns="http://schemas.microsoft.com/sharepoint/v3/contenttype/forms">
+  <Display>DocumentLibraryForm</Display>
+  <Edit>DocumentLibraryForm</Edit>
+  <New>DocumentLibraryForm</New>
+</FormTemplates>
+</file>
+
+<file path=customXml/item2.xml><?xml version="1.0" encoding="utf-8"?>
+<p:properties xmlns:p="http://schemas.microsoft.com/office/2006/metadata/properties" xmlns:xsi="http://www.w3.org/2001/XMLSchema-instance" xmlns:pc="http://schemas.microsoft.com/office/infopath/2007/PartnerControls">
+  <documentManagement/>
+</p:properties>
+</file>
+
+<file path=customXml/item3.xml><?xml version="1.0" encoding="utf-8"?>
 <ct:contentTypeSchema xmlns:ct="http://schemas.microsoft.com/office/2006/metadata/contentType" xmlns:ma="http://schemas.microsoft.com/office/2006/metadata/properties/metaAttributes" ct:_="" ma:_="" ma:contentTypeName="Document" ma:contentTypeID="0x010100693156C96291C349BBF8B640319D465D" ma:contentTypeVersion="0" ma:contentTypeDescription="Create a new document." ma:contentTypeScope="" ma:versionID="8a71be8d30b42e8e74cf70a4a4cbda4c">
   <xsd:schema xmlns:xsd="http://www.w3.org/2001/XMLSchema" xmlns:p="http://schemas.microsoft.com/office/2006/metadata/properties" targetNamespace="http://schemas.microsoft.com/office/2006/metadata/properties" ma:root="true" ma:fieldsID="4aeb20c0e3442673af7ee10786458764">
     <xsd:element name="properties">
@@ -4872,32 +4898,10 @@
 </ct:contentTypeSchema>
 </file>
 
-<file path=customXml/item2.xml><?xml version="1.0" encoding="utf-8"?>
-<p:properties xmlns:p="http://schemas.microsoft.com/office/2006/metadata/properties" xmlns:xsi="http://www.w3.org/2001/XMLSchema-instance" xmlns:pc="http://schemas.microsoft.com/office/infopath/2007/PartnerControls">
-  <documentManagement/>
-</p:properties>
-</file>
-
-<file path=customXml/item3.xml><?xml version="1.0" encoding="utf-8"?>
-<?mso-contentType ?>
-<FormTemplates xmlns="http://schemas.microsoft.com/sharepoint/v3/contenttype/forms">
-  <Display>DocumentLibraryForm</Display>
-  <Edit>DocumentLibraryForm</Edit>
-  <New>DocumentLibraryForm</New>
-</FormTemplates>
-</file>
-
 <file path=customXml/itemProps1.xml><?xml version="1.0" encoding="utf-8"?>
-<ds:datastoreItem xmlns:ds="http://schemas.openxmlformats.org/officeDocument/2006/customXml" ds:itemID="{D85F602D-FF92-4BDD-B4C2-093468CCF754}">
+<ds:datastoreItem xmlns:ds="http://schemas.openxmlformats.org/officeDocument/2006/customXml" ds:itemID="{19E20559-B232-4371-8690-E3D8007EDB82}">
   <ds:schemaRefs>
-    <ds:schemaRef ds:uri="http://schemas.microsoft.com/office/2006/metadata/contentType"/>
-    <ds:schemaRef ds:uri="http://schemas.microsoft.com/office/2006/metadata/properties/metaAttributes"/>
-    <ds:schemaRef ds:uri="http://www.w3.org/2001/XMLSchema"/>
-    <ds:schemaRef ds:uri="http://schemas.microsoft.com/office/2006/metadata/properties"/>
-    <ds:schemaRef ds:uri="http://schemas.openxmlformats.org/package/2006/metadata/core-properties"/>
-    <ds:schemaRef ds:uri="http://purl.org/dc/elements/1.1/"/>
-    <ds:schemaRef ds:uri="http://purl.org/dc/terms/"/>
-    <ds:schemaRef ds:uri="http://schemas.microsoft.com/office/internal/2005/internalDocumentation"/>
+    <ds:schemaRef ds:uri="http://schemas.microsoft.com/sharepoint/v3/contenttype/forms"/>
   </ds:schemaRefs>
 </ds:datastoreItem>
 </file>
@@ -4912,14 +4916,22 @@
     <ds:schemaRef ds:uri="http://schemas.openxmlformats.org/package/2006/metadata/core-properties"/>
     <ds:schemaRef ds:uri="http://www.w3.org/XML/1998/namespace"/>
     <ds:schemaRef ds:uri="http://purl.org/dc/terms/"/>
+    <ds:schemaRef ds:uri="http://schemas.microsoft.com/office/infopath/2007/PartnerControls"/>
   </ds:schemaRefs>
 </ds:datastoreItem>
 </file>
 
 <file path=customXml/itemProps3.xml><?xml version="1.0" encoding="utf-8"?>
-<ds:datastoreItem xmlns:ds="http://schemas.openxmlformats.org/officeDocument/2006/customXml" ds:itemID="{19E20559-B232-4371-8690-E3D8007EDB82}">
+<ds:datastoreItem xmlns:ds="http://schemas.openxmlformats.org/officeDocument/2006/customXml" ds:itemID="{D85F602D-FF92-4BDD-B4C2-093468CCF754}">
   <ds:schemaRefs>
-    <ds:schemaRef ds:uri="http://schemas.microsoft.com/sharepoint/v3/contenttype/forms"/>
+    <ds:schemaRef ds:uri="http://schemas.microsoft.com/office/2006/metadata/contentType"/>
+    <ds:schemaRef ds:uri="http://schemas.microsoft.com/office/2006/metadata/properties/metaAttributes"/>
+    <ds:schemaRef ds:uri="http://www.w3.org/2001/XMLSchema"/>
+    <ds:schemaRef ds:uri="http://schemas.microsoft.com/office/2006/metadata/properties"/>
+    <ds:schemaRef ds:uri="http://schemas.openxmlformats.org/package/2006/metadata/core-properties"/>
+    <ds:schemaRef ds:uri="http://purl.org/dc/elements/1.1/"/>
+    <ds:schemaRef ds:uri="http://purl.org/dc/terms/"/>
+    <ds:schemaRef ds:uri="http://schemas.microsoft.com/office/internal/2005/internalDocumentation"/>
   </ds:schemaRefs>
 </ds:datastoreItem>
 </file>
--- a/2020/ECP/slides/00-agenda.pptx
+++ b/2020/ECP/slides/00-agenda.pptx
@@ -261,7 +261,7 @@
           <a:p>
             <a:fld id="{0B842F42-2CE9-4E35-95C1-410DC08A50B1}" type="datetimeFigureOut">
               <a:rPr lang="en-US" smtClean="0"/>
-              <a:t>2/3/2020</a:t>
+              <a:t>2/4/2020</a:t>
             </a:fld>
             <a:endParaRPr lang="en-US"/>
           </a:p>
@@ -426,7 +426,7 @@
           <a:p>
             <a:fld id="{6F282904-F315-4730-8D91-37D99E141A6F}" type="datetimeFigureOut">
               <a:rPr lang="en-US" smtClean="0"/>
-              <a:t>2/3/2020</a:t>
+              <a:t>2/4/2020</a:t>
             </a:fld>
             <a:endParaRPr lang="en-US"/>
           </a:p>
@@ -3253,33 +3253,13 @@
           <a:p>
             <a:r>
               <a:rPr lang="en-US" sz="2000" b="1" dirty="0" smtClean="0"/>
-              <a:t>John </a:t>
-            </a:r>
-            <a:r>
-              <a:rPr lang="en-US" sz="2000" b="1" dirty="0" err="1" smtClean="0"/>
-              <a:t>Gounley</a:t>
-            </a:r>
+              <a:t>John Gounley 		(ORNL)</a:t>
+            </a:r>
+          </a:p>
+          <a:p>
             <a:r>
               <a:rPr lang="en-US" sz="2000" b="1" dirty="0" smtClean="0"/>
-              <a:t> 		(ORNL)</a:t>
-            </a:r>
-          </a:p>
-          <a:p>
-            <a:r>
-              <a:rPr lang="en-US" sz="2000" b="1" dirty="0" smtClean="0"/>
-              <a:t>Jamal </a:t>
-            </a:r>
-            <a:r>
-              <a:rPr lang="en-US" sz="2000" b="1" dirty="0" err="1" smtClean="0"/>
-              <a:t>Mohd</a:t>
-            </a:r>
-            <a:r>
-              <a:rPr lang="en-US" sz="2000" b="1" smtClean="0"/>
-              <a:t> Yusof</a:t>
-            </a:r>
-            <a:r>
-              <a:rPr lang="en-US" sz="2000" b="1" dirty="0" smtClean="0"/>
-              <a:t>	(LANL)</a:t>
+              <a:t>Jamal Mohd Yusof	(LANL)</a:t>
             </a:r>
           </a:p>
           <a:p>
@@ -3590,7 +3570,7 @@
               <a:t>CANDLE Overview - </a:t>
             </a:r>
             <a:r>
-              <a:rPr lang="en-US" sz="1600" dirty="0" err="1" smtClean="0"/>
+              <a:rPr lang="en-US" sz="1600" dirty="0" smtClean="0"/>
               <a:t>Gounley</a:t>
             </a:r>
             <a:endParaRPr lang="en-US" sz="1600" dirty="0"/>
@@ -3628,11 +3608,11 @@
             </a:r>
             <a:r>
               <a:rPr lang="en-US" sz="1600" dirty="0"/>
-              <a:t>CANDLE Library - </a:t>
+              <a:t>CANDLE Library </a:t>
             </a:r>
             <a:r>
               <a:rPr lang="en-US" sz="1600" dirty="0" smtClean="0"/>
-              <a:t>Mohd-Yusof</a:t>
+              <a:t>– Mohd Yusof</a:t>
             </a:r>
           </a:p>
           <a:p>
@@ -3702,7 +3682,7 @@
               <a:t> NAS &amp; PBT - </a:t>
             </a:r>
             <a:r>
-              <a:rPr lang="en-US" sz="1600" dirty="0" err="1" smtClean="0"/>
+              <a:rPr lang="en-US" sz="1600" dirty="0" smtClean="0"/>
               <a:t>Gounley</a:t>
             </a:r>
             <a:endParaRPr lang="en-US" sz="1600" dirty="0"/>
@@ -3796,12 +3776,12 @@
               <a:buChar char="•"/>
             </a:pPr>
             <a:r>
-              <a:rPr lang="en-US" sz="1600" dirty="0" err="1"/>
-              <a:t>Gounley</a:t>
+              <a:rPr lang="en-US" sz="1600" dirty="0" smtClean="0"/>
+              <a:t>Gounley / Yoon </a:t>
             </a:r>
             <a:r>
               <a:rPr lang="en-US" sz="1600" dirty="0"/>
-              <a:t>/Yoon - NAS and </a:t>
+              <a:t>- NAS and </a:t>
             </a:r>
             <a:r>
               <a:rPr lang="en-US" sz="1600" dirty="0" smtClean="0"/>
@@ -3820,7 +3800,7 @@
             </a:pPr>
             <a:r>
               <a:rPr lang="en-US" sz="1600" dirty="0" smtClean="0"/>
-              <a:t>Mohd-Yusof - Libraries </a:t>
+              <a:t>Mohd Yusof - Libraries </a:t>
             </a:r>
             <a:endParaRPr lang="en-US" sz="1600" dirty="0"/>
           </a:p>
